--- a/TDD Mob Session.pptx
+++ b/TDD Mob Session.pptx
@@ -107,6 +107,11 @@
       </a:defRPr>
     </a:lvl9pPr>
   </p:defaultTextStyle>
+  <p:extLst>
+    <p:ext uri="{EFAFB233-063F-42B5-8137-9DF3F51BA10A}">
+      <p15:sldGuideLst xmlns:p15="http://schemas.microsoft.com/office/powerpoint/2012/main"/>
+    </p:ext>
+  </p:extLst>
 </p:presentation>
 </file>
 
@@ -160,7 +165,7 @@
           <a:noFill/>
           <a:extLst>
             <a:ext uri="{909E8E84-426E-40dd-AFC4-6F175D3DCCD1}">
-              <a14:hiddenFill xmlns:a14="http://schemas.microsoft.com/office/drawing/2010/main" xmlns="">
+              <a14:hiddenFill xmlns="" xmlns:a14="http://schemas.microsoft.com/office/drawing/2010/main">
                 <a:solidFill>
                   <a:srgbClr val="FFFFFF"/>
                 </a:solidFill>
@@ -220,7 +225,7 @@
             </a:ln>
             <a:extLst>
               <a:ext uri="{91240B29-F687-4f45-9708-019B960494DF}">
-                <a14:hiddenLine xmlns:a14="http://schemas.microsoft.com/office/drawing/2010/main" xmlns="" w="9525">
+                <a14:hiddenLine xmlns="" xmlns:a14="http://schemas.microsoft.com/office/drawing/2010/main" w="9525">
                   <a:solidFill>
                     <a:srgbClr val="000000"/>
                   </a:solidFill>
@@ -310,7 +315,7 @@
             </a:ln>
             <a:extLst>
               <a:ext uri="{91240B29-F687-4f45-9708-019B960494DF}">
-                <a14:hiddenLine xmlns:a14="http://schemas.microsoft.com/office/drawing/2010/main" xmlns="" w="9525">
+                <a14:hiddenLine xmlns="" xmlns:a14="http://schemas.microsoft.com/office/drawing/2010/main" w="9525">
                   <a:solidFill>
                     <a:srgbClr val="000000"/>
                   </a:solidFill>
@@ -400,7 +405,7 @@
             </a:ln>
             <a:extLst>
               <a:ext uri="{91240B29-F687-4f45-9708-019B960494DF}">
-                <a14:hiddenLine xmlns:a14="http://schemas.microsoft.com/office/drawing/2010/main" xmlns="" w="9525">
+                <a14:hiddenLine xmlns="" xmlns:a14="http://schemas.microsoft.com/office/drawing/2010/main" w="9525">
                   <a:solidFill>
                     <a:srgbClr val="000000"/>
                   </a:solidFill>
@@ -434,7 +439,7 @@
             </a:ln>
             <a:extLst>
               <a:ext uri="{91240B29-F687-4f45-9708-019B960494DF}">
-                <a14:hiddenLine xmlns:a14="http://schemas.microsoft.com/office/drawing/2010/main" xmlns="" w="9525">
+                <a14:hiddenLine xmlns="" xmlns:a14="http://schemas.microsoft.com/office/drawing/2010/main" w="9525">
                   <a:solidFill>
                     <a:srgbClr val="000000"/>
                   </a:solidFill>
@@ -524,7 +529,7 @@
             </a:ln>
             <a:extLst>
               <a:ext uri="{91240B29-F687-4f45-9708-019B960494DF}">
-                <a14:hiddenLine xmlns:a14="http://schemas.microsoft.com/office/drawing/2010/main" xmlns="" w="9525">
+                <a14:hiddenLine xmlns="" xmlns:a14="http://schemas.microsoft.com/office/drawing/2010/main" w="9525">
                   <a:solidFill>
                     <a:srgbClr val="000000"/>
                   </a:solidFill>
@@ -586,7 +591,7 @@
             </a:ln>
             <a:extLst>
               <a:ext uri="{91240B29-F687-4f45-9708-019B960494DF}">
-                <a14:hiddenLine xmlns:a14="http://schemas.microsoft.com/office/drawing/2010/main" xmlns="" w="9525">
+                <a14:hiddenLine xmlns="" xmlns:a14="http://schemas.microsoft.com/office/drawing/2010/main" w="9525">
                   <a:solidFill>
                     <a:srgbClr val="000000"/>
                   </a:solidFill>
@@ -648,7 +653,7 @@
             </a:ln>
             <a:extLst>
               <a:ext uri="{91240B29-F687-4f45-9708-019B960494DF}">
-                <a14:hiddenLine xmlns:a14="http://schemas.microsoft.com/office/drawing/2010/main" xmlns="" w="9525">
+                <a14:hiddenLine xmlns="" xmlns:a14="http://schemas.microsoft.com/office/drawing/2010/main" w="9525">
                   <a:solidFill>
                     <a:srgbClr val="000000"/>
                   </a:solidFill>
@@ -738,7 +743,7 @@
             </a:ln>
             <a:extLst>
               <a:ext uri="{91240B29-F687-4f45-9708-019B960494DF}">
-                <a14:hiddenLine xmlns:a14="http://schemas.microsoft.com/office/drawing/2010/main" xmlns="" w="9525">
+                <a14:hiddenLine xmlns="" xmlns:a14="http://schemas.microsoft.com/office/drawing/2010/main" w="9525">
                   <a:solidFill>
                     <a:srgbClr val="000000"/>
                   </a:solidFill>
@@ -800,7 +805,7 @@
             </a:ln>
             <a:extLst>
               <a:ext uri="{91240B29-F687-4f45-9708-019B960494DF}">
-                <a14:hiddenLine xmlns:a14="http://schemas.microsoft.com/office/drawing/2010/main" xmlns="" w="9525">
+                <a14:hiddenLine xmlns="" xmlns:a14="http://schemas.microsoft.com/office/drawing/2010/main" w="9525">
                   <a:solidFill>
                     <a:srgbClr val="000000"/>
                   </a:solidFill>
@@ -862,7 +867,7 @@
             </a:ln>
             <a:extLst>
               <a:ext uri="{91240B29-F687-4f45-9708-019B960494DF}">
-                <a14:hiddenLine xmlns:a14="http://schemas.microsoft.com/office/drawing/2010/main" xmlns="" w="9525">
+                <a14:hiddenLine xmlns="" xmlns:a14="http://schemas.microsoft.com/office/drawing/2010/main" w="9525">
                   <a:solidFill>
                     <a:srgbClr val="000000"/>
                   </a:solidFill>
@@ -952,7 +957,7 @@
             </a:ln>
             <a:extLst>
               <a:ext uri="{91240B29-F687-4f45-9708-019B960494DF}">
-                <a14:hiddenLine xmlns:a14="http://schemas.microsoft.com/office/drawing/2010/main" xmlns="" w="9525">
+                <a14:hiddenLine xmlns="" xmlns:a14="http://schemas.microsoft.com/office/drawing/2010/main" w="9525">
                   <a:solidFill>
                     <a:srgbClr val="000000"/>
                   </a:solidFill>
@@ -1042,7 +1047,7 @@
             </a:ln>
             <a:extLst>
               <a:ext uri="{91240B29-F687-4f45-9708-019B960494DF}">
-                <a14:hiddenLine xmlns:a14="http://schemas.microsoft.com/office/drawing/2010/main" xmlns="" w="9525">
+                <a14:hiddenLine xmlns="" xmlns:a14="http://schemas.microsoft.com/office/drawing/2010/main" w="9525">
                   <a:solidFill>
                     <a:srgbClr val="000000"/>
                   </a:solidFill>
@@ -1104,7 +1109,7 @@
             </a:ln>
             <a:extLst>
               <a:ext uri="{91240B29-F687-4f45-9708-019B960494DF}">
-                <a14:hiddenLine xmlns:a14="http://schemas.microsoft.com/office/drawing/2010/main" xmlns="" w="9525">
+                <a14:hiddenLine xmlns="" xmlns:a14="http://schemas.microsoft.com/office/drawing/2010/main" w="9525">
                   <a:solidFill>
                     <a:srgbClr val="000000"/>
                   </a:solidFill>
@@ -1214,7 +1219,7 @@
             </a:ln>
             <a:extLst>
               <a:ext uri="{91240B29-F687-4f45-9708-019B960494DF}">
-                <a14:hiddenLine xmlns:a14="http://schemas.microsoft.com/office/drawing/2010/main" xmlns="" w="9525">
+                <a14:hiddenLine xmlns="" xmlns:a14="http://schemas.microsoft.com/office/drawing/2010/main" w="9525">
                   <a:solidFill>
                     <a:srgbClr val="000000"/>
                   </a:solidFill>
@@ -1276,7 +1281,7 @@
             </a:ln>
             <a:extLst>
               <a:ext uri="{91240B29-F687-4f45-9708-019B960494DF}">
-                <a14:hiddenLine xmlns:a14="http://schemas.microsoft.com/office/drawing/2010/main" xmlns="" w="9525">
+                <a14:hiddenLine xmlns="" xmlns:a14="http://schemas.microsoft.com/office/drawing/2010/main" w="9525">
                   <a:solidFill>
                     <a:srgbClr val="000000"/>
                   </a:solidFill>
@@ -1366,7 +1371,7 @@
             </a:ln>
             <a:extLst>
               <a:ext uri="{91240B29-F687-4f45-9708-019B960494DF}">
-                <a14:hiddenLine xmlns:a14="http://schemas.microsoft.com/office/drawing/2010/main" xmlns="" w="9525">
+                <a14:hiddenLine xmlns="" xmlns:a14="http://schemas.microsoft.com/office/drawing/2010/main" w="9525">
                   <a:solidFill>
                     <a:srgbClr val="000000"/>
                   </a:solidFill>
@@ -1456,7 +1461,7 @@
             </a:ln>
             <a:extLst>
               <a:ext uri="{91240B29-F687-4f45-9708-019B960494DF}">
-                <a14:hiddenLine xmlns:a14="http://schemas.microsoft.com/office/drawing/2010/main" xmlns="" w="9525">
+                <a14:hiddenLine xmlns="" xmlns:a14="http://schemas.microsoft.com/office/drawing/2010/main" w="9525">
                   <a:solidFill>
                     <a:srgbClr val="000000"/>
                   </a:solidFill>
@@ -1518,7 +1523,7 @@
             </a:ln>
             <a:extLst>
               <a:ext uri="{91240B29-F687-4f45-9708-019B960494DF}">
-                <a14:hiddenLine xmlns:a14="http://schemas.microsoft.com/office/drawing/2010/main" xmlns="" w="9525">
+                <a14:hiddenLine xmlns="" xmlns:a14="http://schemas.microsoft.com/office/drawing/2010/main" w="9525">
                   <a:solidFill>
                     <a:srgbClr val="000000"/>
                   </a:solidFill>
@@ -1608,7 +1613,7 @@
             </a:ln>
             <a:extLst>
               <a:ext uri="{91240B29-F687-4f45-9708-019B960494DF}">
-                <a14:hiddenLine xmlns:a14="http://schemas.microsoft.com/office/drawing/2010/main" xmlns="" w="9525">
+                <a14:hiddenLine xmlns="" xmlns:a14="http://schemas.microsoft.com/office/drawing/2010/main" w="9525">
                   <a:solidFill>
                     <a:srgbClr val="000000"/>
                   </a:solidFill>
@@ -1698,7 +1703,7 @@
             </a:ln>
             <a:extLst>
               <a:ext uri="{91240B29-F687-4f45-9708-019B960494DF}">
-                <a14:hiddenLine xmlns:a14="http://schemas.microsoft.com/office/drawing/2010/main" xmlns="" w="9525">
+                <a14:hiddenLine xmlns="" xmlns:a14="http://schemas.microsoft.com/office/drawing/2010/main" w="9525">
                   <a:solidFill>
                     <a:srgbClr val="000000"/>
                   </a:solidFill>
@@ -1754,7 +1759,7 @@
             </a:ln>
             <a:extLst>
               <a:ext uri="{91240B29-F687-4f45-9708-019B960494DF}">
-                <a14:hiddenLine xmlns:a14="http://schemas.microsoft.com/office/drawing/2010/main" xmlns="" w="9525">
+                <a14:hiddenLine xmlns="" xmlns:a14="http://schemas.microsoft.com/office/drawing/2010/main" w="9525">
                   <a:solidFill>
                     <a:srgbClr val="000000"/>
                   </a:solidFill>
@@ -1844,7 +1849,7 @@
             </a:ln>
             <a:extLst>
               <a:ext uri="{91240B29-F687-4f45-9708-019B960494DF}">
-                <a14:hiddenLine xmlns:a14="http://schemas.microsoft.com/office/drawing/2010/main" xmlns="" w="9525">
+                <a14:hiddenLine xmlns="" xmlns:a14="http://schemas.microsoft.com/office/drawing/2010/main" w="9525">
                   <a:solidFill>
                     <a:srgbClr val="000000"/>
                   </a:solidFill>
@@ -1900,7 +1905,7 @@
             </a:ln>
             <a:extLst>
               <a:ext uri="{91240B29-F687-4f45-9708-019B960494DF}">
-                <a14:hiddenLine xmlns:a14="http://schemas.microsoft.com/office/drawing/2010/main" xmlns="" w="9525">
+                <a14:hiddenLine xmlns="" xmlns:a14="http://schemas.microsoft.com/office/drawing/2010/main" w="9525">
                   <a:solidFill>
                     <a:srgbClr val="000000"/>
                   </a:solidFill>
@@ -1990,7 +1995,7 @@
             </a:ln>
             <a:extLst>
               <a:ext uri="{91240B29-F687-4f45-9708-019B960494DF}">
-                <a14:hiddenLine xmlns:a14="http://schemas.microsoft.com/office/drawing/2010/main" xmlns="" w="9525">
+                <a14:hiddenLine xmlns="" xmlns:a14="http://schemas.microsoft.com/office/drawing/2010/main" w="9525">
                   <a:solidFill>
                     <a:srgbClr val="000000"/>
                   </a:solidFill>
@@ -2058,7 +2063,7 @@
             </a:ln>
             <a:extLst>
               <a:ext uri="{91240B29-F687-4f45-9708-019B960494DF}">
-                <a14:hiddenLine xmlns:a14="http://schemas.microsoft.com/office/drawing/2010/main" xmlns="" w="9525">
+                <a14:hiddenLine xmlns="" xmlns:a14="http://schemas.microsoft.com/office/drawing/2010/main" w="9525">
                   <a:solidFill>
                     <a:srgbClr val="000000"/>
                   </a:solidFill>
@@ -2148,7 +2153,7 @@
             </a:ln>
             <a:extLst>
               <a:ext uri="{91240B29-F687-4f45-9708-019B960494DF}">
-                <a14:hiddenLine xmlns:a14="http://schemas.microsoft.com/office/drawing/2010/main" xmlns="" w="9525">
+                <a14:hiddenLine xmlns="" xmlns:a14="http://schemas.microsoft.com/office/drawing/2010/main" w="9525">
                   <a:solidFill>
                     <a:srgbClr val="000000"/>
                   </a:solidFill>
@@ -2216,7 +2221,7 @@
             </a:ln>
             <a:extLst>
               <a:ext uri="{91240B29-F687-4f45-9708-019B960494DF}">
-                <a14:hiddenLine xmlns:a14="http://schemas.microsoft.com/office/drawing/2010/main" xmlns="" w="9525">
+                <a14:hiddenLine xmlns="" xmlns:a14="http://schemas.microsoft.com/office/drawing/2010/main" w="9525">
                   <a:solidFill>
                     <a:srgbClr val="000000"/>
                   </a:solidFill>
@@ -2306,7 +2311,7 @@
             </a:ln>
             <a:extLst>
               <a:ext uri="{91240B29-F687-4f45-9708-019B960494DF}">
-                <a14:hiddenLine xmlns:a14="http://schemas.microsoft.com/office/drawing/2010/main" xmlns="" w="9525">
+                <a14:hiddenLine xmlns="" xmlns:a14="http://schemas.microsoft.com/office/drawing/2010/main" w="9525">
                   <a:solidFill>
                     <a:srgbClr val="000000"/>
                   </a:solidFill>
@@ -2340,7 +2345,7 @@
             </a:ln>
             <a:extLst>
               <a:ext uri="{91240B29-F687-4f45-9708-019B960494DF}">
-                <a14:hiddenLine xmlns:a14="http://schemas.microsoft.com/office/drawing/2010/main" xmlns="" w="9525">
+                <a14:hiddenLine xmlns="" xmlns:a14="http://schemas.microsoft.com/office/drawing/2010/main" w="9525">
                   <a:solidFill>
                     <a:srgbClr val="000000"/>
                   </a:solidFill>
@@ -2430,7 +2435,7 @@
             </a:ln>
             <a:extLst>
               <a:ext uri="{91240B29-F687-4f45-9708-019B960494DF}">
-                <a14:hiddenLine xmlns:a14="http://schemas.microsoft.com/office/drawing/2010/main" xmlns="" w="9525">
+                <a14:hiddenLine xmlns="" xmlns:a14="http://schemas.microsoft.com/office/drawing/2010/main" w="9525">
                   <a:solidFill>
                     <a:srgbClr val="000000"/>
                   </a:solidFill>
@@ -2492,7 +2497,7 @@
             </a:ln>
             <a:extLst>
               <a:ext uri="{91240B29-F687-4f45-9708-019B960494DF}">
-                <a14:hiddenLine xmlns:a14="http://schemas.microsoft.com/office/drawing/2010/main" xmlns="" w="9525">
+                <a14:hiddenLine xmlns="" xmlns:a14="http://schemas.microsoft.com/office/drawing/2010/main" w="9525">
                   <a:solidFill>
                     <a:srgbClr val="000000"/>
                   </a:solidFill>
@@ -2554,7 +2559,7 @@
             </a:ln>
             <a:extLst>
               <a:ext uri="{91240B29-F687-4f45-9708-019B960494DF}">
-                <a14:hiddenLine xmlns:a14="http://schemas.microsoft.com/office/drawing/2010/main" xmlns="" w="9525">
+                <a14:hiddenLine xmlns="" xmlns:a14="http://schemas.microsoft.com/office/drawing/2010/main" w="9525">
                   <a:solidFill>
                     <a:srgbClr val="000000"/>
                   </a:solidFill>
@@ -2644,7 +2649,7 @@
             </a:ln>
             <a:extLst>
               <a:ext uri="{91240B29-F687-4f45-9708-019B960494DF}">
-                <a14:hiddenLine xmlns:a14="http://schemas.microsoft.com/office/drawing/2010/main" xmlns="" w="9525">
+                <a14:hiddenLine xmlns="" xmlns:a14="http://schemas.microsoft.com/office/drawing/2010/main" w="9525">
                   <a:solidFill>
                     <a:srgbClr val="000000"/>
                   </a:solidFill>
@@ -2712,7 +2717,7 @@
             </a:ln>
             <a:extLst>
               <a:ext uri="{91240B29-F687-4f45-9708-019B960494DF}">
-                <a14:hiddenLine xmlns:a14="http://schemas.microsoft.com/office/drawing/2010/main" xmlns="" w="9525">
+                <a14:hiddenLine xmlns="" xmlns:a14="http://schemas.microsoft.com/office/drawing/2010/main" w="9525">
                   <a:solidFill>
                     <a:srgbClr val="000000"/>
                   </a:solidFill>
@@ -2774,7 +2779,7 @@
             </a:ln>
             <a:extLst>
               <a:ext uri="{91240B29-F687-4f45-9708-019B960494DF}">
-                <a14:hiddenLine xmlns:a14="http://schemas.microsoft.com/office/drawing/2010/main" xmlns="" w="9525">
+                <a14:hiddenLine xmlns="" xmlns:a14="http://schemas.microsoft.com/office/drawing/2010/main" w="9525">
                   <a:solidFill>
                     <a:srgbClr val="000000"/>
                   </a:solidFill>
@@ -2864,7 +2869,7 @@
             </a:ln>
             <a:extLst>
               <a:ext uri="{91240B29-F687-4f45-9708-019B960494DF}">
-                <a14:hiddenLine xmlns:a14="http://schemas.microsoft.com/office/drawing/2010/main" xmlns="" w="9525">
+                <a14:hiddenLine xmlns="" xmlns:a14="http://schemas.microsoft.com/office/drawing/2010/main" w="9525">
                   <a:solidFill>
                     <a:srgbClr val="000000"/>
                   </a:solidFill>
@@ -2926,7 +2931,7 @@
             </a:ln>
             <a:extLst>
               <a:ext uri="{91240B29-F687-4f45-9708-019B960494DF}">
-                <a14:hiddenLine xmlns:a14="http://schemas.microsoft.com/office/drawing/2010/main" xmlns="" w="9525">
+                <a14:hiddenLine xmlns="" xmlns:a14="http://schemas.microsoft.com/office/drawing/2010/main" w="9525">
                   <a:solidFill>
                     <a:srgbClr val="000000"/>
                   </a:solidFill>
@@ -3016,7 +3021,7 @@
             </a:ln>
             <a:extLst>
               <a:ext uri="{91240B29-F687-4f45-9708-019B960494DF}">
-                <a14:hiddenLine xmlns:a14="http://schemas.microsoft.com/office/drawing/2010/main" xmlns="" w="9525">
+                <a14:hiddenLine xmlns="" xmlns:a14="http://schemas.microsoft.com/office/drawing/2010/main" w="9525">
                   <a:solidFill>
                     <a:srgbClr val="000000"/>
                   </a:solidFill>
@@ -3078,7 +3083,7 @@
             </a:ln>
             <a:extLst>
               <a:ext uri="{91240B29-F687-4f45-9708-019B960494DF}">
-                <a14:hiddenLine xmlns:a14="http://schemas.microsoft.com/office/drawing/2010/main" xmlns="" w="9525">
+                <a14:hiddenLine xmlns="" xmlns:a14="http://schemas.microsoft.com/office/drawing/2010/main" w="9525">
                   <a:solidFill>
                     <a:srgbClr val="000000"/>
                   </a:solidFill>
@@ -3168,7 +3173,7 @@
             </a:ln>
             <a:extLst>
               <a:ext uri="{91240B29-F687-4f45-9708-019B960494DF}">
-                <a14:hiddenLine xmlns:a14="http://schemas.microsoft.com/office/drawing/2010/main" xmlns="" w="9525">
+                <a14:hiddenLine xmlns="" xmlns:a14="http://schemas.microsoft.com/office/drawing/2010/main" w="9525">
                   <a:solidFill>
                     <a:srgbClr val="000000"/>
                   </a:solidFill>
@@ -3202,7 +3207,7 @@
             </a:ln>
             <a:extLst>
               <a:ext uri="{91240B29-F687-4f45-9708-019B960494DF}">
-                <a14:hiddenLine xmlns:a14="http://schemas.microsoft.com/office/drawing/2010/main" xmlns="" w="9525">
+                <a14:hiddenLine xmlns="" xmlns:a14="http://schemas.microsoft.com/office/drawing/2010/main" w="9525">
                   <a:solidFill>
                     <a:srgbClr val="000000"/>
                   </a:solidFill>
@@ -3267,7 +3272,7 @@
             </a:ln>
             <a:extLst>
               <a:ext uri="{91240B29-F687-4f45-9708-019B960494DF}">
-                <a14:hiddenLine xmlns:a14="http://schemas.microsoft.com/office/drawing/2010/main" xmlns="" w="9525">
+                <a14:hiddenLine xmlns="" xmlns:a14="http://schemas.microsoft.com/office/drawing/2010/main" w="9525">
                   <a:solidFill>
                     <a:srgbClr val="000000"/>
                   </a:solidFill>
@@ -3357,7 +3362,7 @@
             </a:ln>
             <a:extLst>
               <a:ext uri="{91240B29-F687-4f45-9708-019B960494DF}">
-                <a14:hiddenLine xmlns:a14="http://schemas.microsoft.com/office/drawing/2010/main" xmlns="" w="9525">
+                <a14:hiddenLine xmlns="" xmlns:a14="http://schemas.microsoft.com/office/drawing/2010/main" w="9525">
                   <a:solidFill>
                     <a:srgbClr val="000000"/>
                   </a:solidFill>
@@ -3419,7 +3424,7 @@
             </a:ln>
             <a:extLst>
               <a:ext uri="{91240B29-F687-4f45-9708-019B960494DF}">
-                <a14:hiddenLine xmlns:a14="http://schemas.microsoft.com/office/drawing/2010/main" xmlns="" w="9525">
+                <a14:hiddenLine xmlns="" xmlns:a14="http://schemas.microsoft.com/office/drawing/2010/main" w="9525">
                   <a:solidFill>
                     <a:srgbClr val="000000"/>
                   </a:solidFill>
@@ -3509,7 +3514,7 @@
             </a:ln>
             <a:extLst>
               <a:ext uri="{91240B29-F687-4f45-9708-019B960494DF}">
-                <a14:hiddenLine xmlns:a14="http://schemas.microsoft.com/office/drawing/2010/main" xmlns="" w="9525">
+                <a14:hiddenLine xmlns="" xmlns:a14="http://schemas.microsoft.com/office/drawing/2010/main" w="9525">
                   <a:solidFill>
                     <a:srgbClr val="000000"/>
                   </a:solidFill>
@@ -3599,7 +3604,7 @@
             </a:ln>
             <a:extLst>
               <a:ext uri="{91240B29-F687-4f45-9708-019B960494DF}">
-                <a14:hiddenLine xmlns:a14="http://schemas.microsoft.com/office/drawing/2010/main" xmlns="" w="9525">
+                <a14:hiddenLine xmlns="" xmlns:a14="http://schemas.microsoft.com/office/drawing/2010/main" w="9525">
                   <a:solidFill>
                     <a:srgbClr val="000000"/>
                   </a:solidFill>
@@ -3664,7 +3669,7 @@
             </a:ln>
             <a:extLst>
               <a:ext uri="{91240B29-F687-4f45-9708-019B960494DF}">
-                <a14:hiddenLine xmlns:a14="http://schemas.microsoft.com/office/drawing/2010/main" xmlns="" w="9525">
+                <a14:hiddenLine xmlns="" xmlns:a14="http://schemas.microsoft.com/office/drawing/2010/main" w="9525">
                   <a:solidFill>
                     <a:srgbClr val="000000"/>
                   </a:solidFill>
@@ -3726,7 +3731,7 @@
             </a:ln>
             <a:extLst>
               <a:ext uri="{91240B29-F687-4f45-9708-019B960494DF}">
-                <a14:hiddenLine xmlns:a14="http://schemas.microsoft.com/office/drawing/2010/main" xmlns="" w="9525">
+                <a14:hiddenLine xmlns="" xmlns:a14="http://schemas.microsoft.com/office/drawing/2010/main" w="9525">
                   <a:solidFill>
                     <a:srgbClr val="000000"/>
                   </a:solidFill>
@@ -3816,7 +3821,7 @@
             </a:ln>
             <a:extLst>
               <a:ext uri="{91240B29-F687-4f45-9708-019B960494DF}">
-                <a14:hiddenLine xmlns:a14="http://schemas.microsoft.com/office/drawing/2010/main" xmlns="" w="9525">
+                <a14:hiddenLine xmlns="" xmlns:a14="http://schemas.microsoft.com/office/drawing/2010/main" w="9525">
                   <a:solidFill>
                     <a:srgbClr val="000000"/>
                   </a:solidFill>
@@ -3906,7 +3911,7 @@
             </a:ln>
             <a:extLst>
               <a:ext uri="{91240B29-F687-4f45-9708-019B960494DF}">
-                <a14:hiddenLine xmlns:a14="http://schemas.microsoft.com/office/drawing/2010/main" xmlns="" w="9525">
+                <a14:hiddenLine xmlns="" xmlns:a14="http://schemas.microsoft.com/office/drawing/2010/main" w="9525">
                   <a:solidFill>
                     <a:srgbClr val="000000"/>
                   </a:solidFill>
@@ -3968,7 +3973,7 @@
             </a:ln>
             <a:extLst>
               <a:ext uri="{91240B29-F687-4f45-9708-019B960494DF}">
-                <a14:hiddenLine xmlns:a14="http://schemas.microsoft.com/office/drawing/2010/main" xmlns="" w="9525">
+                <a14:hiddenLine xmlns="" xmlns:a14="http://schemas.microsoft.com/office/drawing/2010/main" w="9525">
                   <a:solidFill>
                     <a:srgbClr val="000000"/>
                   </a:solidFill>
@@ -4088,7 +4093,7 @@
             </a:ln>
             <a:extLst>
               <a:ext uri="{91240B29-F687-4f45-9708-019B960494DF}">
-                <a14:hiddenLine xmlns:a14="http://schemas.microsoft.com/office/drawing/2010/main" xmlns="" w="9525">
+                <a14:hiddenLine xmlns="" xmlns:a14="http://schemas.microsoft.com/office/drawing/2010/main" w="9525">
                   <a:solidFill>
                     <a:srgbClr val="000000"/>
                   </a:solidFill>
@@ -4156,7 +4161,7 @@
             </a:ln>
             <a:extLst>
               <a:ext uri="{91240B29-F687-4f45-9708-019B960494DF}">
-                <a14:hiddenLine xmlns:a14="http://schemas.microsoft.com/office/drawing/2010/main" xmlns="" w="9525">
+                <a14:hiddenLine xmlns="" xmlns:a14="http://schemas.microsoft.com/office/drawing/2010/main" w="9525">
                   <a:solidFill>
                     <a:srgbClr val="000000"/>
                   </a:solidFill>
@@ -4246,7 +4251,7 @@
             </a:ln>
             <a:extLst>
               <a:ext uri="{91240B29-F687-4f45-9708-019B960494DF}">
-                <a14:hiddenLine xmlns:a14="http://schemas.microsoft.com/office/drawing/2010/main" xmlns="" w="9525">
+                <a14:hiddenLine xmlns="" xmlns:a14="http://schemas.microsoft.com/office/drawing/2010/main" w="9525">
                   <a:solidFill>
                     <a:srgbClr val="000000"/>
                   </a:solidFill>
@@ -4386,7 +4391,7 @@
           <a:p>
             <a:fld id="{48A87A34-81AB-432B-8DAE-1953F412C126}" type="datetimeFigureOut">
               <a:rPr lang="en-US" dirty="0"/>
-              <a:t>3/8/2024</a:t>
+              <a:t>3/12/2024</a:t>
             </a:fld>
             <a:endParaRPr lang="en-US" dirty="0"/>
           </a:p>
@@ -4648,7 +4653,7 @@
           <a:p>
             <a:fld id="{48A87A34-81AB-432B-8DAE-1953F412C126}" type="datetimeFigureOut">
               <a:rPr lang="en-US" dirty="0"/>
-              <a:t>3/8/2024</a:t>
+              <a:t>3/12/2024</a:t>
             </a:fld>
             <a:endParaRPr lang="en-US" dirty="0"/>
           </a:p>
@@ -4839,7 +4844,7 @@
           <a:p>
             <a:fld id="{48A87A34-81AB-432B-8DAE-1953F412C126}" type="datetimeFigureOut">
               <a:rPr lang="en-US" dirty="0"/>
-              <a:t>3/8/2024</a:t>
+              <a:t>3/12/2024</a:t>
             </a:fld>
             <a:endParaRPr lang="en-US" dirty="0"/>
           </a:p>
@@ -5097,7 +5102,7 @@
           <a:p>
             <a:fld id="{48A87A34-81AB-432B-8DAE-1953F412C126}" type="datetimeFigureOut">
               <a:rPr lang="en-US" dirty="0"/>
-              <a:t>3/8/2024</a:t>
+              <a:t>3/12/2024</a:t>
             </a:fld>
             <a:endParaRPr lang="en-US" dirty="0"/>
           </a:p>
@@ -5526,7 +5531,7 @@
           <a:p>
             <a:fld id="{48A87A34-81AB-432B-8DAE-1953F412C126}" type="datetimeFigureOut">
               <a:rPr lang="en-US" dirty="0"/>
-              <a:t>3/8/2024</a:t>
+              <a:t>3/12/2024</a:t>
             </a:fld>
             <a:endParaRPr lang="en-US" dirty="0"/>
           </a:p>
@@ -6067,7 +6072,7 @@
           <a:p>
             <a:fld id="{48A87A34-81AB-432B-8DAE-1953F412C126}" type="datetimeFigureOut">
               <a:rPr lang="en-US" dirty="0"/>
-              <a:t>3/8/2024</a:t>
+              <a:t>3/12/2024</a:t>
             </a:fld>
             <a:endParaRPr lang="en-US" dirty="0"/>
           </a:p>
@@ -6782,7 +6787,7 @@
           <a:p>
             <a:fld id="{48A87A34-81AB-432B-8DAE-1953F412C126}" type="datetimeFigureOut">
               <a:rPr lang="en-US" dirty="0"/>
-              <a:t>3/8/2024</a:t>
+              <a:t>3/12/2024</a:t>
             </a:fld>
             <a:endParaRPr lang="en-US" dirty="0"/>
           </a:p>
@@ -6947,7 +6952,7 @@
           <a:p>
             <a:fld id="{48A87A34-81AB-432B-8DAE-1953F412C126}" type="datetimeFigureOut">
               <a:rPr lang="en-US" dirty="0"/>
-              <a:t>3/8/2024</a:t>
+              <a:t>3/12/2024</a:t>
             </a:fld>
             <a:endParaRPr lang="en-US" dirty="0"/>
           </a:p>
@@ -7122,7 +7127,7 @@
           <a:p>
             <a:fld id="{48A87A34-81AB-432B-8DAE-1953F412C126}" type="datetimeFigureOut">
               <a:rPr lang="en-US" dirty="0"/>
-              <a:t>3/8/2024</a:t>
+              <a:t>3/12/2024</a:t>
             </a:fld>
             <a:endParaRPr lang="en-US" dirty="0"/>
           </a:p>
@@ -7287,7 +7292,7 @@
           <a:p>
             <a:fld id="{48A87A34-81AB-432B-8DAE-1953F412C126}" type="datetimeFigureOut">
               <a:rPr lang="en-US" dirty="0"/>
-              <a:t>3/8/2024</a:t>
+              <a:t>3/12/2024</a:t>
             </a:fld>
             <a:endParaRPr lang="en-US" dirty="0"/>
           </a:p>
@@ -7532,7 +7537,7 @@
           <a:p>
             <a:fld id="{48A87A34-81AB-432B-8DAE-1953F412C126}" type="datetimeFigureOut">
               <a:rPr lang="en-US" dirty="0"/>
-              <a:t>3/8/2024</a:t>
+              <a:t>3/12/2024</a:t>
             </a:fld>
             <a:endParaRPr lang="en-US" dirty="0"/>
           </a:p>
@@ -7759,7 +7764,7 @@
           <a:p>
             <a:fld id="{48A87A34-81AB-432B-8DAE-1953F412C126}" type="datetimeFigureOut">
               <a:rPr lang="en-US" dirty="0"/>
-              <a:t>3/8/2024</a:t>
+              <a:t>3/12/2024</a:t>
             </a:fld>
             <a:endParaRPr lang="en-US" dirty="0"/>
           </a:p>
@@ -8135,7 +8140,7 @@
           <a:p>
             <a:fld id="{48A87A34-81AB-432B-8DAE-1953F412C126}" type="datetimeFigureOut">
               <a:rPr lang="en-US" dirty="0"/>
-              <a:t>3/8/2024</a:t>
+              <a:t>3/12/2024</a:t>
             </a:fld>
             <a:endParaRPr lang="en-US" dirty="0"/>
           </a:p>
@@ -8248,7 +8253,7 @@
           <a:p>
             <a:fld id="{48A87A34-81AB-432B-8DAE-1953F412C126}" type="datetimeFigureOut">
               <a:rPr lang="en-US" dirty="0"/>
-              <a:t>3/8/2024</a:t>
+              <a:t>3/12/2024</a:t>
             </a:fld>
             <a:endParaRPr lang="en-US" dirty="0"/>
           </a:p>
@@ -8338,7 +8343,7 @@
           <a:p>
             <a:fld id="{48A87A34-81AB-432B-8DAE-1953F412C126}" type="datetimeFigureOut">
               <a:rPr lang="en-US" dirty="0"/>
-              <a:t>3/8/2024</a:t>
+              <a:t>3/12/2024</a:t>
             </a:fld>
             <a:endParaRPr lang="en-US" dirty="0"/>
           </a:p>
@@ -8582,7 +8587,7 @@
           <a:p>
             <a:fld id="{48A87A34-81AB-432B-8DAE-1953F412C126}" type="datetimeFigureOut">
               <a:rPr lang="en-US" dirty="0"/>
-              <a:t>3/8/2024</a:t>
+              <a:t>3/12/2024</a:t>
             </a:fld>
             <a:endParaRPr lang="en-US" dirty="0"/>
           </a:p>
@@ -8857,7 +8862,7 @@
           <a:p>
             <a:fld id="{48A87A34-81AB-432B-8DAE-1953F412C126}" type="datetimeFigureOut">
               <a:rPr lang="en-US" dirty="0"/>
-              <a:t>3/8/2024</a:t>
+              <a:t>3/12/2024</a:t>
             </a:fld>
             <a:endParaRPr lang="en-US" dirty="0"/>
           </a:p>
@@ -8968,7 +8973,7 @@
           <a:noFill/>
           <a:extLst>
             <a:ext uri="{909E8E84-426E-40dd-AFC4-6F175D3DCCD1}">
-              <a14:hiddenFill xmlns:a14="http://schemas.microsoft.com/office/drawing/2010/main" xmlns="">
+              <a14:hiddenFill xmlns="" xmlns:a14="http://schemas.microsoft.com/office/drawing/2010/main">
                 <a:solidFill>
                   <a:srgbClr val="FFFFFF"/>
                 </a:solidFill>
@@ -9042,7 +9047,7 @@
               </a:ln>
               <a:extLst>
                 <a:ext uri="{91240B29-F687-4f45-9708-019B960494DF}">
-                  <a14:hiddenLine xmlns:a14="http://schemas.microsoft.com/office/drawing/2010/main" xmlns="" w="9525">
+                  <a14:hiddenLine xmlns="" xmlns:a14="http://schemas.microsoft.com/office/drawing/2010/main" w="9525">
                     <a:solidFill>
                       <a:srgbClr val="000000"/>
                     </a:solidFill>
@@ -9132,7 +9137,7 @@
               </a:ln>
               <a:extLst>
                 <a:ext uri="{91240B29-F687-4f45-9708-019B960494DF}">
-                  <a14:hiddenLine xmlns:a14="http://schemas.microsoft.com/office/drawing/2010/main" xmlns="" w="9525">
+                  <a14:hiddenLine xmlns="" xmlns:a14="http://schemas.microsoft.com/office/drawing/2010/main" w="9525">
                     <a:solidFill>
                       <a:srgbClr val="000000"/>
                     </a:solidFill>
@@ -9222,7 +9227,7 @@
               </a:ln>
               <a:extLst>
                 <a:ext uri="{91240B29-F687-4f45-9708-019B960494DF}">
-                  <a14:hiddenLine xmlns:a14="http://schemas.microsoft.com/office/drawing/2010/main" xmlns="" w="9525">
+                  <a14:hiddenLine xmlns="" xmlns:a14="http://schemas.microsoft.com/office/drawing/2010/main" w="9525">
                     <a:solidFill>
                       <a:srgbClr val="000000"/>
                     </a:solidFill>
@@ -9284,7 +9289,7 @@
               </a:ln>
               <a:extLst>
                 <a:ext uri="{91240B29-F687-4f45-9708-019B960494DF}">
-                  <a14:hiddenLine xmlns:a14="http://schemas.microsoft.com/office/drawing/2010/main" xmlns="" w="9525">
+                  <a14:hiddenLine xmlns="" xmlns:a14="http://schemas.microsoft.com/office/drawing/2010/main" w="9525">
                     <a:solidFill>
                       <a:srgbClr val="000000"/>
                     </a:solidFill>
@@ -9374,7 +9379,7 @@
               </a:ln>
               <a:extLst>
                 <a:ext uri="{91240B29-F687-4f45-9708-019B960494DF}">
-                  <a14:hiddenLine xmlns:a14="http://schemas.microsoft.com/office/drawing/2010/main" xmlns="" w="9525">
+                  <a14:hiddenLine xmlns="" xmlns:a14="http://schemas.microsoft.com/office/drawing/2010/main" w="9525">
                     <a:solidFill>
                       <a:srgbClr val="000000"/>
                     </a:solidFill>
@@ -9436,7 +9441,7 @@
               </a:ln>
               <a:extLst>
                 <a:ext uri="{91240B29-F687-4f45-9708-019B960494DF}">
-                  <a14:hiddenLine xmlns:a14="http://schemas.microsoft.com/office/drawing/2010/main" xmlns="" w="9525">
+                  <a14:hiddenLine xmlns="" xmlns:a14="http://schemas.microsoft.com/office/drawing/2010/main" w="9525">
                     <a:solidFill>
                       <a:srgbClr val="000000"/>
                     </a:solidFill>
@@ -9498,7 +9503,7 @@
               </a:ln>
               <a:extLst>
                 <a:ext uri="{91240B29-F687-4f45-9708-019B960494DF}">
-                  <a14:hiddenLine xmlns:a14="http://schemas.microsoft.com/office/drawing/2010/main" xmlns="" w="9525">
+                  <a14:hiddenLine xmlns="" xmlns:a14="http://schemas.microsoft.com/office/drawing/2010/main" w="9525">
                     <a:solidFill>
                       <a:srgbClr val="000000"/>
                     </a:solidFill>
@@ -9588,7 +9593,7 @@
               </a:ln>
               <a:extLst>
                 <a:ext uri="{91240B29-F687-4f45-9708-019B960494DF}">
-                  <a14:hiddenLine xmlns:a14="http://schemas.microsoft.com/office/drawing/2010/main" xmlns="" w="9525">
+                  <a14:hiddenLine xmlns="" xmlns:a14="http://schemas.microsoft.com/office/drawing/2010/main" w="9525">
                     <a:solidFill>
                       <a:srgbClr val="000000"/>
                     </a:solidFill>
@@ -9678,7 +9683,7 @@
               </a:ln>
               <a:extLst>
                 <a:ext uri="{91240B29-F687-4f45-9708-019B960494DF}">
-                  <a14:hiddenLine xmlns:a14="http://schemas.microsoft.com/office/drawing/2010/main" xmlns="" w="9525">
+                  <a14:hiddenLine xmlns="" xmlns:a14="http://schemas.microsoft.com/office/drawing/2010/main" w="9525">
                     <a:solidFill>
                       <a:srgbClr val="000000"/>
                     </a:solidFill>
@@ -9740,7 +9745,7 @@
               </a:ln>
               <a:extLst>
                 <a:ext uri="{91240B29-F687-4f45-9708-019B960494DF}">
-                  <a14:hiddenLine xmlns:a14="http://schemas.microsoft.com/office/drawing/2010/main" xmlns="" w="9525">
+                  <a14:hiddenLine xmlns="" xmlns:a14="http://schemas.microsoft.com/office/drawing/2010/main" w="9525">
                     <a:solidFill>
                       <a:srgbClr val="000000"/>
                     </a:solidFill>
@@ -9850,7 +9855,7 @@
               </a:ln>
               <a:extLst>
                 <a:ext uri="{91240B29-F687-4f45-9708-019B960494DF}">
-                  <a14:hiddenLine xmlns:a14="http://schemas.microsoft.com/office/drawing/2010/main" xmlns="" w="9525">
+                  <a14:hiddenLine xmlns="" xmlns:a14="http://schemas.microsoft.com/office/drawing/2010/main" w="9525">
                     <a:solidFill>
                       <a:srgbClr val="000000"/>
                     </a:solidFill>
@@ -9934,7 +9939,7 @@
               </a:ln>
               <a:extLst>
                 <a:ext uri="{91240B29-F687-4f45-9708-019B960494DF}">
-                  <a14:hiddenLine xmlns:a14="http://schemas.microsoft.com/office/drawing/2010/main" xmlns="" w="9525">
+                  <a14:hiddenLine xmlns="" xmlns:a14="http://schemas.microsoft.com/office/drawing/2010/main" w="9525">
                     <a:solidFill>
                       <a:srgbClr val="000000"/>
                     </a:solidFill>
@@ -9996,7 +10001,7 @@
               </a:ln>
               <a:extLst>
                 <a:ext uri="{91240B29-F687-4f45-9708-019B960494DF}">
-                  <a14:hiddenLine xmlns:a14="http://schemas.microsoft.com/office/drawing/2010/main" xmlns="" w="9525">
+                  <a14:hiddenLine xmlns="" xmlns:a14="http://schemas.microsoft.com/office/drawing/2010/main" w="9525">
                     <a:solidFill>
                       <a:srgbClr val="000000"/>
                     </a:solidFill>
@@ -10058,7 +10063,7 @@
               </a:ln>
               <a:extLst>
                 <a:ext uri="{91240B29-F687-4f45-9708-019B960494DF}">
-                  <a14:hiddenLine xmlns:a14="http://schemas.microsoft.com/office/drawing/2010/main" xmlns="" w="9525">
+                  <a14:hiddenLine xmlns="" xmlns:a14="http://schemas.microsoft.com/office/drawing/2010/main" w="9525">
                     <a:solidFill>
                       <a:srgbClr val="000000"/>
                     </a:solidFill>
@@ -10148,7 +10153,7 @@
               </a:ln>
               <a:extLst>
                 <a:ext uri="{91240B29-F687-4f45-9708-019B960494DF}">
-                  <a14:hiddenLine xmlns:a14="http://schemas.microsoft.com/office/drawing/2010/main" xmlns="" w="9525">
+                  <a14:hiddenLine xmlns="" xmlns:a14="http://schemas.microsoft.com/office/drawing/2010/main" w="9525">
                     <a:solidFill>
                       <a:srgbClr val="000000"/>
                     </a:solidFill>
@@ -10182,7 +10187,7 @@
               </a:ln>
               <a:extLst>
                 <a:ext uri="{91240B29-F687-4f45-9708-019B960494DF}">
-                  <a14:hiddenLine xmlns:a14="http://schemas.microsoft.com/office/drawing/2010/main" xmlns="" w="9525">
+                  <a14:hiddenLine xmlns="" xmlns:a14="http://schemas.microsoft.com/office/drawing/2010/main" w="9525">
                     <a:solidFill>
                       <a:srgbClr val="000000"/>
                     </a:solidFill>
@@ -10247,7 +10252,7 @@
               </a:ln>
               <a:extLst>
                 <a:ext uri="{91240B29-F687-4f45-9708-019B960494DF}">
-                  <a14:hiddenLine xmlns:a14="http://schemas.microsoft.com/office/drawing/2010/main" xmlns="" w="9525">
+                  <a14:hiddenLine xmlns="" xmlns:a14="http://schemas.microsoft.com/office/drawing/2010/main" w="9525">
                     <a:solidFill>
                       <a:srgbClr val="000000"/>
                     </a:solidFill>
@@ -10337,7 +10342,7 @@
               </a:ln>
               <a:extLst>
                 <a:ext uri="{91240B29-F687-4f45-9708-019B960494DF}">
-                  <a14:hiddenLine xmlns:a14="http://schemas.microsoft.com/office/drawing/2010/main" xmlns="" w="9525">
+                  <a14:hiddenLine xmlns="" xmlns:a14="http://schemas.microsoft.com/office/drawing/2010/main" w="9525">
                     <a:solidFill>
                       <a:srgbClr val="000000"/>
                     </a:solidFill>
@@ -10399,7 +10404,7 @@
               </a:ln>
               <a:extLst>
                 <a:ext uri="{91240B29-F687-4f45-9708-019B960494DF}">
-                  <a14:hiddenLine xmlns:a14="http://schemas.microsoft.com/office/drawing/2010/main" xmlns="" w="9525">
+                  <a14:hiddenLine xmlns="" xmlns:a14="http://schemas.microsoft.com/office/drawing/2010/main" w="9525">
                     <a:solidFill>
                       <a:srgbClr val="000000"/>
                     </a:solidFill>
@@ -10489,7 +10494,7 @@
               </a:ln>
               <a:extLst>
                 <a:ext uri="{91240B29-F687-4f45-9708-019B960494DF}">
-                  <a14:hiddenLine xmlns:a14="http://schemas.microsoft.com/office/drawing/2010/main" xmlns="" w="9525">
+                  <a14:hiddenLine xmlns="" xmlns:a14="http://schemas.microsoft.com/office/drawing/2010/main" w="9525">
                     <a:solidFill>
                       <a:srgbClr val="000000"/>
                     </a:solidFill>
@@ -10554,7 +10559,7 @@
               </a:ln>
               <a:extLst>
                 <a:ext uri="{91240B29-F687-4f45-9708-019B960494DF}">
-                  <a14:hiddenLine xmlns:a14="http://schemas.microsoft.com/office/drawing/2010/main" xmlns="" w="9525">
+                  <a14:hiddenLine xmlns="" xmlns:a14="http://schemas.microsoft.com/office/drawing/2010/main" w="9525">
                     <a:solidFill>
                       <a:srgbClr val="000000"/>
                     </a:solidFill>
@@ -10616,7 +10621,7 @@
               </a:ln>
               <a:extLst>
                 <a:ext uri="{91240B29-F687-4f45-9708-019B960494DF}">
-                  <a14:hiddenLine xmlns:a14="http://schemas.microsoft.com/office/drawing/2010/main" xmlns="" w="9525">
+                  <a14:hiddenLine xmlns="" xmlns:a14="http://schemas.microsoft.com/office/drawing/2010/main" w="9525">
                     <a:solidFill>
                       <a:srgbClr val="000000"/>
                     </a:solidFill>
@@ -10706,7 +10711,7 @@
               </a:ln>
               <a:extLst>
                 <a:ext uri="{91240B29-F687-4f45-9708-019B960494DF}">
-                  <a14:hiddenLine xmlns:a14="http://schemas.microsoft.com/office/drawing/2010/main" xmlns="" w="9525">
+                  <a14:hiddenLine xmlns="" xmlns:a14="http://schemas.microsoft.com/office/drawing/2010/main" w="9525">
                     <a:solidFill>
                       <a:srgbClr val="000000"/>
                     </a:solidFill>
@@ -10796,7 +10801,7 @@
               </a:ln>
               <a:extLst>
                 <a:ext uri="{91240B29-F687-4f45-9708-019B960494DF}">
-                  <a14:hiddenLine xmlns:a14="http://schemas.microsoft.com/office/drawing/2010/main" xmlns="" w="9525">
+                  <a14:hiddenLine xmlns="" xmlns:a14="http://schemas.microsoft.com/office/drawing/2010/main" w="9525">
                     <a:solidFill>
                       <a:srgbClr val="000000"/>
                     </a:solidFill>
@@ -10861,7 +10866,7 @@
               </a:ln>
               <a:extLst>
                 <a:ext uri="{91240B29-F687-4f45-9708-019B960494DF}">
-                  <a14:hiddenLine xmlns:a14="http://schemas.microsoft.com/office/drawing/2010/main" xmlns="" w="9525">
+                  <a14:hiddenLine xmlns="" xmlns:a14="http://schemas.microsoft.com/office/drawing/2010/main" w="9525">
                     <a:solidFill>
                       <a:srgbClr val="000000"/>
                     </a:solidFill>
@@ -10981,7 +10986,7 @@
               </a:ln>
               <a:extLst>
                 <a:ext uri="{91240B29-F687-4f45-9708-019B960494DF}">
-                  <a14:hiddenLine xmlns:a14="http://schemas.microsoft.com/office/drawing/2010/main" xmlns="" w="9525">
+                  <a14:hiddenLine xmlns="" xmlns:a14="http://schemas.microsoft.com/office/drawing/2010/main" w="9525">
                     <a:solidFill>
                       <a:srgbClr val="000000"/>
                     </a:solidFill>
@@ -11079,7 +11084,7 @@
               </a:ln>
               <a:extLst>
                 <a:ext uri="{91240B29-F687-4f45-9708-019B960494DF}">
-                  <a14:hiddenLine xmlns:a14="http://schemas.microsoft.com/office/drawing/2010/main" xmlns="" w="9525">
+                  <a14:hiddenLine xmlns="" xmlns:a14="http://schemas.microsoft.com/office/drawing/2010/main" w="9525">
                     <a:solidFill>
                       <a:srgbClr val="000000"/>
                     </a:solidFill>
@@ -11194,7 +11199,7 @@
               </a:ln>
               <a:extLst>
                 <a:ext uri="{91240B29-F687-4f45-9708-019B960494DF}">
-                  <a14:hiddenLine xmlns:a14="http://schemas.microsoft.com/office/drawing/2010/main" xmlns="" w="9525">
+                  <a14:hiddenLine xmlns="" xmlns:a14="http://schemas.microsoft.com/office/drawing/2010/main" w="9525">
                     <a:solidFill>
                       <a:srgbClr val="000000"/>
                     </a:solidFill>
@@ -11284,7 +11289,7 @@
               </a:ln>
               <a:extLst>
                 <a:ext uri="{91240B29-F687-4f45-9708-019B960494DF}">
-                  <a14:hiddenLine xmlns:a14="http://schemas.microsoft.com/office/drawing/2010/main" xmlns="" w="9525">
+                  <a14:hiddenLine xmlns="" xmlns:a14="http://schemas.microsoft.com/office/drawing/2010/main" w="9525">
                     <a:solidFill>
                       <a:srgbClr val="000000"/>
                     </a:solidFill>
@@ -11349,7 +11354,7 @@
               </a:ln>
               <a:extLst>
                 <a:ext uri="{91240B29-F687-4f45-9708-019B960494DF}">
-                  <a14:hiddenLine xmlns:a14="http://schemas.microsoft.com/office/drawing/2010/main" xmlns="" w="9525">
+                  <a14:hiddenLine xmlns="" xmlns:a14="http://schemas.microsoft.com/office/drawing/2010/main" w="9525">
                     <a:solidFill>
                       <a:srgbClr val="000000"/>
                     </a:solidFill>
@@ -11439,7 +11444,7 @@
               </a:ln>
               <a:extLst>
                 <a:ext uri="{91240B29-F687-4f45-9708-019B960494DF}">
-                  <a14:hiddenLine xmlns:a14="http://schemas.microsoft.com/office/drawing/2010/main" xmlns="" w="9525">
+                  <a14:hiddenLine xmlns="" xmlns:a14="http://schemas.microsoft.com/office/drawing/2010/main" w="9525">
                     <a:solidFill>
                       <a:srgbClr val="000000"/>
                     </a:solidFill>
@@ -11507,7 +11512,7 @@
               </a:ln>
               <a:extLst>
                 <a:ext uri="{91240B29-F687-4f45-9708-019B960494DF}">
-                  <a14:hiddenLine xmlns:a14="http://schemas.microsoft.com/office/drawing/2010/main" xmlns="" w="9525">
+                  <a14:hiddenLine xmlns="" xmlns:a14="http://schemas.microsoft.com/office/drawing/2010/main" w="9525">
                     <a:solidFill>
                       <a:srgbClr val="000000"/>
                     </a:solidFill>
@@ -11597,7 +11602,7 @@
               </a:ln>
               <a:extLst>
                 <a:ext uri="{91240B29-F687-4f45-9708-019B960494DF}">
-                  <a14:hiddenLine xmlns:a14="http://schemas.microsoft.com/office/drawing/2010/main" xmlns="" w="9525">
+                  <a14:hiddenLine xmlns="" xmlns:a14="http://schemas.microsoft.com/office/drawing/2010/main" w="9525">
                     <a:solidFill>
                       <a:srgbClr val="000000"/>
                     </a:solidFill>
@@ -11665,7 +11670,7 @@
               </a:ln>
               <a:extLst>
                 <a:ext uri="{91240B29-F687-4f45-9708-019B960494DF}">
-                  <a14:hiddenLine xmlns:a14="http://schemas.microsoft.com/office/drawing/2010/main" xmlns="" w="9525">
+                  <a14:hiddenLine xmlns="" xmlns:a14="http://schemas.microsoft.com/office/drawing/2010/main" w="9525">
                     <a:solidFill>
                       <a:srgbClr val="000000"/>
                     </a:solidFill>
@@ -11755,7 +11760,7 @@
               </a:ln>
               <a:extLst>
                 <a:ext uri="{91240B29-F687-4f45-9708-019B960494DF}">
-                  <a14:hiddenLine xmlns:a14="http://schemas.microsoft.com/office/drawing/2010/main" xmlns="" w="9525">
+                  <a14:hiddenLine xmlns="" xmlns:a14="http://schemas.microsoft.com/office/drawing/2010/main" w="9525">
                     <a:solidFill>
                       <a:srgbClr val="000000"/>
                     </a:solidFill>
@@ -11789,7 +11794,7 @@
               </a:ln>
               <a:extLst>
                 <a:ext uri="{91240B29-F687-4f45-9708-019B960494DF}">
-                  <a14:hiddenLine xmlns:a14="http://schemas.microsoft.com/office/drawing/2010/main" xmlns="" w="9525">
+                  <a14:hiddenLine xmlns="" xmlns:a14="http://schemas.microsoft.com/office/drawing/2010/main" w="9525">
                     <a:solidFill>
                       <a:srgbClr val="000000"/>
                     </a:solidFill>
@@ -11930,7 +11935,7 @@
             <a:fld id="{48A87A34-81AB-432B-8DAE-1953F412C126}" type="datetimeFigureOut">
               <a:rPr lang="en-US" dirty="0"/>
               <a:pPr/>
-              <a:t>3/8/2024</a:t>
+              <a:t>3/12/2024</a:t>
             </a:fld>
             <a:endParaRPr lang="en-US" dirty="0"/>
           </a:p>

--- a/TDD Mob Session.pptx
+++ b/TDD Mob Session.pptx
@@ -6,9 +6,10 @@
   </p:sldMasterIdLst>
   <p:sldIdLst>
     <p:sldId id="256" r:id="rId2"/>
-    <p:sldId id="257" r:id="rId3"/>
-    <p:sldId id="258" r:id="rId4"/>
-    <p:sldId id="259" r:id="rId5"/>
+    <p:sldId id="260" r:id="rId3"/>
+    <p:sldId id="257" r:id="rId4"/>
+    <p:sldId id="258" r:id="rId5"/>
+    <p:sldId id="259" r:id="rId6"/>
   </p:sldIdLst>
   <p:sldSz cx="12192000" cy="6858000"/>
   <p:notesSz cx="6858000" cy="9144000"/>
@@ -165,7 +166,7 @@
           <a:noFill/>
           <a:extLst>
             <a:ext uri="{909E8E84-426E-40dd-AFC4-6F175D3DCCD1}">
-              <a14:hiddenFill xmlns="" xmlns:a14="http://schemas.microsoft.com/office/drawing/2010/main">
+              <a14:hiddenFill xmlns:a14="http://schemas.microsoft.com/office/drawing/2010/main" xmlns="">
                 <a:solidFill>
                   <a:srgbClr val="FFFFFF"/>
                 </a:solidFill>
@@ -225,7 +226,7 @@
             </a:ln>
             <a:extLst>
               <a:ext uri="{91240B29-F687-4f45-9708-019B960494DF}">
-                <a14:hiddenLine xmlns="" xmlns:a14="http://schemas.microsoft.com/office/drawing/2010/main" w="9525">
+                <a14:hiddenLine xmlns:a14="http://schemas.microsoft.com/office/drawing/2010/main" xmlns="" w="9525">
                   <a:solidFill>
                     <a:srgbClr val="000000"/>
                   </a:solidFill>
@@ -315,7 +316,7 @@
             </a:ln>
             <a:extLst>
               <a:ext uri="{91240B29-F687-4f45-9708-019B960494DF}">
-                <a14:hiddenLine xmlns="" xmlns:a14="http://schemas.microsoft.com/office/drawing/2010/main" w="9525">
+                <a14:hiddenLine xmlns:a14="http://schemas.microsoft.com/office/drawing/2010/main" xmlns="" w="9525">
                   <a:solidFill>
                     <a:srgbClr val="000000"/>
                   </a:solidFill>
@@ -405,7 +406,7 @@
             </a:ln>
             <a:extLst>
               <a:ext uri="{91240B29-F687-4f45-9708-019B960494DF}">
-                <a14:hiddenLine xmlns="" xmlns:a14="http://schemas.microsoft.com/office/drawing/2010/main" w="9525">
+                <a14:hiddenLine xmlns:a14="http://schemas.microsoft.com/office/drawing/2010/main" xmlns="" w="9525">
                   <a:solidFill>
                     <a:srgbClr val="000000"/>
                   </a:solidFill>
@@ -439,7 +440,7 @@
             </a:ln>
             <a:extLst>
               <a:ext uri="{91240B29-F687-4f45-9708-019B960494DF}">
-                <a14:hiddenLine xmlns="" xmlns:a14="http://schemas.microsoft.com/office/drawing/2010/main" w="9525">
+                <a14:hiddenLine xmlns:a14="http://schemas.microsoft.com/office/drawing/2010/main" xmlns="" w="9525">
                   <a:solidFill>
                     <a:srgbClr val="000000"/>
                   </a:solidFill>
@@ -529,7 +530,7 @@
             </a:ln>
             <a:extLst>
               <a:ext uri="{91240B29-F687-4f45-9708-019B960494DF}">
-                <a14:hiddenLine xmlns="" xmlns:a14="http://schemas.microsoft.com/office/drawing/2010/main" w="9525">
+                <a14:hiddenLine xmlns:a14="http://schemas.microsoft.com/office/drawing/2010/main" xmlns="" w="9525">
                   <a:solidFill>
                     <a:srgbClr val="000000"/>
                   </a:solidFill>
@@ -591,7 +592,7 @@
             </a:ln>
             <a:extLst>
               <a:ext uri="{91240B29-F687-4f45-9708-019B960494DF}">
-                <a14:hiddenLine xmlns="" xmlns:a14="http://schemas.microsoft.com/office/drawing/2010/main" w="9525">
+                <a14:hiddenLine xmlns:a14="http://schemas.microsoft.com/office/drawing/2010/main" xmlns="" w="9525">
                   <a:solidFill>
                     <a:srgbClr val="000000"/>
                   </a:solidFill>
@@ -653,7 +654,7 @@
             </a:ln>
             <a:extLst>
               <a:ext uri="{91240B29-F687-4f45-9708-019B960494DF}">
-                <a14:hiddenLine xmlns="" xmlns:a14="http://schemas.microsoft.com/office/drawing/2010/main" w="9525">
+                <a14:hiddenLine xmlns:a14="http://schemas.microsoft.com/office/drawing/2010/main" xmlns="" w="9525">
                   <a:solidFill>
                     <a:srgbClr val="000000"/>
                   </a:solidFill>
@@ -743,7 +744,7 @@
             </a:ln>
             <a:extLst>
               <a:ext uri="{91240B29-F687-4f45-9708-019B960494DF}">
-                <a14:hiddenLine xmlns="" xmlns:a14="http://schemas.microsoft.com/office/drawing/2010/main" w="9525">
+                <a14:hiddenLine xmlns:a14="http://schemas.microsoft.com/office/drawing/2010/main" xmlns="" w="9525">
                   <a:solidFill>
                     <a:srgbClr val="000000"/>
                   </a:solidFill>
@@ -805,7 +806,7 @@
             </a:ln>
             <a:extLst>
               <a:ext uri="{91240B29-F687-4f45-9708-019B960494DF}">
-                <a14:hiddenLine xmlns="" xmlns:a14="http://schemas.microsoft.com/office/drawing/2010/main" w="9525">
+                <a14:hiddenLine xmlns:a14="http://schemas.microsoft.com/office/drawing/2010/main" xmlns="" w="9525">
                   <a:solidFill>
                     <a:srgbClr val="000000"/>
                   </a:solidFill>
@@ -867,7 +868,7 @@
             </a:ln>
             <a:extLst>
               <a:ext uri="{91240B29-F687-4f45-9708-019B960494DF}">
-                <a14:hiddenLine xmlns="" xmlns:a14="http://schemas.microsoft.com/office/drawing/2010/main" w="9525">
+                <a14:hiddenLine xmlns:a14="http://schemas.microsoft.com/office/drawing/2010/main" xmlns="" w="9525">
                   <a:solidFill>
                     <a:srgbClr val="000000"/>
                   </a:solidFill>
@@ -957,7 +958,7 @@
             </a:ln>
             <a:extLst>
               <a:ext uri="{91240B29-F687-4f45-9708-019B960494DF}">
-                <a14:hiddenLine xmlns="" xmlns:a14="http://schemas.microsoft.com/office/drawing/2010/main" w="9525">
+                <a14:hiddenLine xmlns:a14="http://schemas.microsoft.com/office/drawing/2010/main" xmlns="" w="9525">
                   <a:solidFill>
                     <a:srgbClr val="000000"/>
                   </a:solidFill>
@@ -1047,7 +1048,7 @@
             </a:ln>
             <a:extLst>
               <a:ext uri="{91240B29-F687-4f45-9708-019B960494DF}">
-                <a14:hiddenLine xmlns="" xmlns:a14="http://schemas.microsoft.com/office/drawing/2010/main" w="9525">
+                <a14:hiddenLine xmlns:a14="http://schemas.microsoft.com/office/drawing/2010/main" xmlns="" w="9525">
                   <a:solidFill>
                     <a:srgbClr val="000000"/>
                   </a:solidFill>
@@ -1109,7 +1110,7 @@
             </a:ln>
             <a:extLst>
               <a:ext uri="{91240B29-F687-4f45-9708-019B960494DF}">
-                <a14:hiddenLine xmlns="" xmlns:a14="http://schemas.microsoft.com/office/drawing/2010/main" w="9525">
+                <a14:hiddenLine xmlns:a14="http://schemas.microsoft.com/office/drawing/2010/main" xmlns="" w="9525">
                   <a:solidFill>
                     <a:srgbClr val="000000"/>
                   </a:solidFill>
@@ -1219,7 +1220,7 @@
             </a:ln>
             <a:extLst>
               <a:ext uri="{91240B29-F687-4f45-9708-019B960494DF}">
-                <a14:hiddenLine xmlns="" xmlns:a14="http://schemas.microsoft.com/office/drawing/2010/main" w="9525">
+                <a14:hiddenLine xmlns:a14="http://schemas.microsoft.com/office/drawing/2010/main" xmlns="" w="9525">
                   <a:solidFill>
                     <a:srgbClr val="000000"/>
                   </a:solidFill>
@@ -1281,7 +1282,7 @@
             </a:ln>
             <a:extLst>
               <a:ext uri="{91240B29-F687-4f45-9708-019B960494DF}">
-                <a14:hiddenLine xmlns="" xmlns:a14="http://schemas.microsoft.com/office/drawing/2010/main" w="9525">
+                <a14:hiddenLine xmlns:a14="http://schemas.microsoft.com/office/drawing/2010/main" xmlns="" w="9525">
                   <a:solidFill>
                     <a:srgbClr val="000000"/>
                   </a:solidFill>
@@ -1371,7 +1372,7 @@
             </a:ln>
             <a:extLst>
               <a:ext uri="{91240B29-F687-4f45-9708-019B960494DF}">
-                <a14:hiddenLine xmlns="" xmlns:a14="http://schemas.microsoft.com/office/drawing/2010/main" w="9525">
+                <a14:hiddenLine xmlns:a14="http://schemas.microsoft.com/office/drawing/2010/main" xmlns="" w="9525">
                   <a:solidFill>
                     <a:srgbClr val="000000"/>
                   </a:solidFill>
@@ -1461,7 +1462,7 @@
             </a:ln>
             <a:extLst>
               <a:ext uri="{91240B29-F687-4f45-9708-019B960494DF}">
-                <a14:hiddenLine xmlns="" xmlns:a14="http://schemas.microsoft.com/office/drawing/2010/main" w="9525">
+                <a14:hiddenLine xmlns:a14="http://schemas.microsoft.com/office/drawing/2010/main" xmlns="" w="9525">
                   <a:solidFill>
                     <a:srgbClr val="000000"/>
                   </a:solidFill>
@@ -1523,7 +1524,7 @@
             </a:ln>
             <a:extLst>
               <a:ext uri="{91240B29-F687-4f45-9708-019B960494DF}">
-                <a14:hiddenLine xmlns="" xmlns:a14="http://schemas.microsoft.com/office/drawing/2010/main" w="9525">
+                <a14:hiddenLine xmlns:a14="http://schemas.microsoft.com/office/drawing/2010/main" xmlns="" w="9525">
                   <a:solidFill>
                     <a:srgbClr val="000000"/>
                   </a:solidFill>
@@ -1613,7 +1614,7 @@
             </a:ln>
             <a:extLst>
               <a:ext uri="{91240B29-F687-4f45-9708-019B960494DF}">
-                <a14:hiddenLine xmlns="" xmlns:a14="http://schemas.microsoft.com/office/drawing/2010/main" w="9525">
+                <a14:hiddenLine xmlns:a14="http://schemas.microsoft.com/office/drawing/2010/main" xmlns="" w="9525">
                   <a:solidFill>
                     <a:srgbClr val="000000"/>
                   </a:solidFill>
@@ -1703,7 +1704,7 @@
             </a:ln>
             <a:extLst>
               <a:ext uri="{91240B29-F687-4f45-9708-019B960494DF}">
-                <a14:hiddenLine xmlns="" xmlns:a14="http://schemas.microsoft.com/office/drawing/2010/main" w="9525">
+                <a14:hiddenLine xmlns:a14="http://schemas.microsoft.com/office/drawing/2010/main" xmlns="" w="9525">
                   <a:solidFill>
                     <a:srgbClr val="000000"/>
                   </a:solidFill>
@@ -1759,7 +1760,7 @@
             </a:ln>
             <a:extLst>
               <a:ext uri="{91240B29-F687-4f45-9708-019B960494DF}">
-                <a14:hiddenLine xmlns="" xmlns:a14="http://schemas.microsoft.com/office/drawing/2010/main" w="9525">
+                <a14:hiddenLine xmlns:a14="http://schemas.microsoft.com/office/drawing/2010/main" xmlns="" w="9525">
                   <a:solidFill>
                     <a:srgbClr val="000000"/>
                   </a:solidFill>
@@ -1849,7 +1850,7 @@
             </a:ln>
             <a:extLst>
               <a:ext uri="{91240B29-F687-4f45-9708-019B960494DF}">
-                <a14:hiddenLine xmlns="" xmlns:a14="http://schemas.microsoft.com/office/drawing/2010/main" w="9525">
+                <a14:hiddenLine xmlns:a14="http://schemas.microsoft.com/office/drawing/2010/main" xmlns="" w="9525">
                   <a:solidFill>
                     <a:srgbClr val="000000"/>
                   </a:solidFill>
@@ -1905,7 +1906,7 @@
             </a:ln>
             <a:extLst>
               <a:ext uri="{91240B29-F687-4f45-9708-019B960494DF}">
-                <a14:hiddenLine xmlns="" xmlns:a14="http://schemas.microsoft.com/office/drawing/2010/main" w="9525">
+                <a14:hiddenLine xmlns:a14="http://schemas.microsoft.com/office/drawing/2010/main" xmlns="" w="9525">
                   <a:solidFill>
                     <a:srgbClr val="000000"/>
                   </a:solidFill>
@@ -1995,7 +1996,7 @@
             </a:ln>
             <a:extLst>
               <a:ext uri="{91240B29-F687-4f45-9708-019B960494DF}">
-                <a14:hiddenLine xmlns="" xmlns:a14="http://schemas.microsoft.com/office/drawing/2010/main" w="9525">
+                <a14:hiddenLine xmlns:a14="http://schemas.microsoft.com/office/drawing/2010/main" xmlns="" w="9525">
                   <a:solidFill>
                     <a:srgbClr val="000000"/>
                   </a:solidFill>
@@ -2063,7 +2064,7 @@
             </a:ln>
             <a:extLst>
               <a:ext uri="{91240B29-F687-4f45-9708-019B960494DF}">
-                <a14:hiddenLine xmlns="" xmlns:a14="http://schemas.microsoft.com/office/drawing/2010/main" w="9525">
+                <a14:hiddenLine xmlns:a14="http://schemas.microsoft.com/office/drawing/2010/main" xmlns="" w="9525">
                   <a:solidFill>
                     <a:srgbClr val="000000"/>
                   </a:solidFill>
@@ -2153,7 +2154,7 @@
             </a:ln>
             <a:extLst>
               <a:ext uri="{91240B29-F687-4f45-9708-019B960494DF}">
-                <a14:hiddenLine xmlns="" xmlns:a14="http://schemas.microsoft.com/office/drawing/2010/main" w="9525">
+                <a14:hiddenLine xmlns:a14="http://schemas.microsoft.com/office/drawing/2010/main" xmlns="" w="9525">
                   <a:solidFill>
                     <a:srgbClr val="000000"/>
                   </a:solidFill>
@@ -2221,7 +2222,7 @@
             </a:ln>
             <a:extLst>
               <a:ext uri="{91240B29-F687-4f45-9708-019B960494DF}">
-                <a14:hiddenLine xmlns="" xmlns:a14="http://schemas.microsoft.com/office/drawing/2010/main" w="9525">
+                <a14:hiddenLine xmlns:a14="http://schemas.microsoft.com/office/drawing/2010/main" xmlns="" w="9525">
                   <a:solidFill>
                     <a:srgbClr val="000000"/>
                   </a:solidFill>
@@ -2311,7 +2312,7 @@
             </a:ln>
             <a:extLst>
               <a:ext uri="{91240B29-F687-4f45-9708-019B960494DF}">
-                <a14:hiddenLine xmlns="" xmlns:a14="http://schemas.microsoft.com/office/drawing/2010/main" w="9525">
+                <a14:hiddenLine xmlns:a14="http://schemas.microsoft.com/office/drawing/2010/main" xmlns="" w="9525">
                   <a:solidFill>
                     <a:srgbClr val="000000"/>
                   </a:solidFill>
@@ -2345,7 +2346,7 @@
             </a:ln>
             <a:extLst>
               <a:ext uri="{91240B29-F687-4f45-9708-019B960494DF}">
-                <a14:hiddenLine xmlns="" xmlns:a14="http://schemas.microsoft.com/office/drawing/2010/main" w="9525">
+                <a14:hiddenLine xmlns:a14="http://schemas.microsoft.com/office/drawing/2010/main" xmlns="" w="9525">
                   <a:solidFill>
                     <a:srgbClr val="000000"/>
                   </a:solidFill>
@@ -2435,7 +2436,7 @@
             </a:ln>
             <a:extLst>
               <a:ext uri="{91240B29-F687-4f45-9708-019B960494DF}">
-                <a14:hiddenLine xmlns="" xmlns:a14="http://schemas.microsoft.com/office/drawing/2010/main" w="9525">
+                <a14:hiddenLine xmlns:a14="http://schemas.microsoft.com/office/drawing/2010/main" xmlns="" w="9525">
                   <a:solidFill>
                     <a:srgbClr val="000000"/>
                   </a:solidFill>
@@ -2497,7 +2498,7 @@
             </a:ln>
             <a:extLst>
               <a:ext uri="{91240B29-F687-4f45-9708-019B960494DF}">
-                <a14:hiddenLine xmlns="" xmlns:a14="http://schemas.microsoft.com/office/drawing/2010/main" w="9525">
+                <a14:hiddenLine xmlns:a14="http://schemas.microsoft.com/office/drawing/2010/main" xmlns="" w="9525">
                   <a:solidFill>
                     <a:srgbClr val="000000"/>
                   </a:solidFill>
@@ -2559,7 +2560,7 @@
             </a:ln>
             <a:extLst>
               <a:ext uri="{91240B29-F687-4f45-9708-019B960494DF}">
-                <a14:hiddenLine xmlns="" xmlns:a14="http://schemas.microsoft.com/office/drawing/2010/main" w="9525">
+                <a14:hiddenLine xmlns:a14="http://schemas.microsoft.com/office/drawing/2010/main" xmlns="" w="9525">
                   <a:solidFill>
                     <a:srgbClr val="000000"/>
                   </a:solidFill>
@@ -2649,7 +2650,7 @@
             </a:ln>
             <a:extLst>
               <a:ext uri="{91240B29-F687-4f45-9708-019B960494DF}">
-                <a14:hiddenLine xmlns="" xmlns:a14="http://schemas.microsoft.com/office/drawing/2010/main" w="9525">
+                <a14:hiddenLine xmlns:a14="http://schemas.microsoft.com/office/drawing/2010/main" xmlns="" w="9525">
                   <a:solidFill>
                     <a:srgbClr val="000000"/>
                   </a:solidFill>
@@ -2717,7 +2718,7 @@
             </a:ln>
             <a:extLst>
               <a:ext uri="{91240B29-F687-4f45-9708-019B960494DF}">
-                <a14:hiddenLine xmlns="" xmlns:a14="http://schemas.microsoft.com/office/drawing/2010/main" w="9525">
+                <a14:hiddenLine xmlns:a14="http://schemas.microsoft.com/office/drawing/2010/main" xmlns="" w="9525">
                   <a:solidFill>
                     <a:srgbClr val="000000"/>
                   </a:solidFill>
@@ -2779,7 +2780,7 @@
             </a:ln>
             <a:extLst>
               <a:ext uri="{91240B29-F687-4f45-9708-019B960494DF}">
-                <a14:hiddenLine xmlns="" xmlns:a14="http://schemas.microsoft.com/office/drawing/2010/main" w="9525">
+                <a14:hiddenLine xmlns:a14="http://schemas.microsoft.com/office/drawing/2010/main" xmlns="" w="9525">
                   <a:solidFill>
                     <a:srgbClr val="000000"/>
                   </a:solidFill>
@@ -2869,7 +2870,7 @@
             </a:ln>
             <a:extLst>
               <a:ext uri="{91240B29-F687-4f45-9708-019B960494DF}">
-                <a14:hiddenLine xmlns="" xmlns:a14="http://schemas.microsoft.com/office/drawing/2010/main" w="9525">
+                <a14:hiddenLine xmlns:a14="http://schemas.microsoft.com/office/drawing/2010/main" xmlns="" w="9525">
                   <a:solidFill>
                     <a:srgbClr val="000000"/>
                   </a:solidFill>
@@ -2931,7 +2932,7 @@
             </a:ln>
             <a:extLst>
               <a:ext uri="{91240B29-F687-4f45-9708-019B960494DF}">
-                <a14:hiddenLine xmlns="" xmlns:a14="http://schemas.microsoft.com/office/drawing/2010/main" w="9525">
+                <a14:hiddenLine xmlns:a14="http://schemas.microsoft.com/office/drawing/2010/main" xmlns="" w="9525">
                   <a:solidFill>
                     <a:srgbClr val="000000"/>
                   </a:solidFill>
@@ -3021,7 +3022,7 @@
             </a:ln>
             <a:extLst>
               <a:ext uri="{91240B29-F687-4f45-9708-019B960494DF}">
-                <a14:hiddenLine xmlns="" xmlns:a14="http://schemas.microsoft.com/office/drawing/2010/main" w="9525">
+                <a14:hiddenLine xmlns:a14="http://schemas.microsoft.com/office/drawing/2010/main" xmlns="" w="9525">
                   <a:solidFill>
                     <a:srgbClr val="000000"/>
                   </a:solidFill>
@@ -3083,7 +3084,7 @@
             </a:ln>
             <a:extLst>
               <a:ext uri="{91240B29-F687-4f45-9708-019B960494DF}">
-                <a14:hiddenLine xmlns="" xmlns:a14="http://schemas.microsoft.com/office/drawing/2010/main" w="9525">
+                <a14:hiddenLine xmlns:a14="http://schemas.microsoft.com/office/drawing/2010/main" xmlns="" w="9525">
                   <a:solidFill>
                     <a:srgbClr val="000000"/>
                   </a:solidFill>
@@ -3173,7 +3174,7 @@
             </a:ln>
             <a:extLst>
               <a:ext uri="{91240B29-F687-4f45-9708-019B960494DF}">
-                <a14:hiddenLine xmlns="" xmlns:a14="http://schemas.microsoft.com/office/drawing/2010/main" w="9525">
+                <a14:hiddenLine xmlns:a14="http://schemas.microsoft.com/office/drawing/2010/main" xmlns="" w="9525">
                   <a:solidFill>
                     <a:srgbClr val="000000"/>
                   </a:solidFill>
@@ -3207,7 +3208,7 @@
             </a:ln>
             <a:extLst>
               <a:ext uri="{91240B29-F687-4f45-9708-019B960494DF}">
-                <a14:hiddenLine xmlns="" xmlns:a14="http://schemas.microsoft.com/office/drawing/2010/main" w="9525">
+                <a14:hiddenLine xmlns:a14="http://schemas.microsoft.com/office/drawing/2010/main" xmlns="" w="9525">
                   <a:solidFill>
                     <a:srgbClr val="000000"/>
                   </a:solidFill>
@@ -3272,7 +3273,7 @@
             </a:ln>
             <a:extLst>
               <a:ext uri="{91240B29-F687-4f45-9708-019B960494DF}">
-                <a14:hiddenLine xmlns="" xmlns:a14="http://schemas.microsoft.com/office/drawing/2010/main" w="9525">
+                <a14:hiddenLine xmlns:a14="http://schemas.microsoft.com/office/drawing/2010/main" xmlns="" w="9525">
                   <a:solidFill>
                     <a:srgbClr val="000000"/>
                   </a:solidFill>
@@ -3362,7 +3363,7 @@
             </a:ln>
             <a:extLst>
               <a:ext uri="{91240B29-F687-4f45-9708-019B960494DF}">
-                <a14:hiddenLine xmlns="" xmlns:a14="http://schemas.microsoft.com/office/drawing/2010/main" w="9525">
+                <a14:hiddenLine xmlns:a14="http://schemas.microsoft.com/office/drawing/2010/main" xmlns="" w="9525">
                   <a:solidFill>
                     <a:srgbClr val="000000"/>
                   </a:solidFill>
@@ -3424,7 +3425,7 @@
             </a:ln>
             <a:extLst>
               <a:ext uri="{91240B29-F687-4f45-9708-019B960494DF}">
-                <a14:hiddenLine xmlns="" xmlns:a14="http://schemas.microsoft.com/office/drawing/2010/main" w="9525">
+                <a14:hiddenLine xmlns:a14="http://schemas.microsoft.com/office/drawing/2010/main" xmlns="" w="9525">
                   <a:solidFill>
                     <a:srgbClr val="000000"/>
                   </a:solidFill>
@@ -3514,7 +3515,7 @@
             </a:ln>
             <a:extLst>
               <a:ext uri="{91240B29-F687-4f45-9708-019B960494DF}">
-                <a14:hiddenLine xmlns="" xmlns:a14="http://schemas.microsoft.com/office/drawing/2010/main" w="9525">
+                <a14:hiddenLine xmlns:a14="http://schemas.microsoft.com/office/drawing/2010/main" xmlns="" w="9525">
                   <a:solidFill>
                     <a:srgbClr val="000000"/>
                   </a:solidFill>
@@ -3604,7 +3605,7 @@
             </a:ln>
             <a:extLst>
               <a:ext uri="{91240B29-F687-4f45-9708-019B960494DF}">
-                <a14:hiddenLine xmlns="" xmlns:a14="http://schemas.microsoft.com/office/drawing/2010/main" w="9525">
+                <a14:hiddenLine xmlns:a14="http://schemas.microsoft.com/office/drawing/2010/main" xmlns="" w="9525">
                   <a:solidFill>
                     <a:srgbClr val="000000"/>
                   </a:solidFill>
@@ -3669,7 +3670,7 @@
             </a:ln>
             <a:extLst>
               <a:ext uri="{91240B29-F687-4f45-9708-019B960494DF}">
-                <a14:hiddenLine xmlns="" xmlns:a14="http://schemas.microsoft.com/office/drawing/2010/main" w="9525">
+                <a14:hiddenLine xmlns:a14="http://schemas.microsoft.com/office/drawing/2010/main" xmlns="" w="9525">
                   <a:solidFill>
                     <a:srgbClr val="000000"/>
                   </a:solidFill>
@@ -3731,7 +3732,7 @@
             </a:ln>
             <a:extLst>
               <a:ext uri="{91240B29-F687-4f45-9708-019B960494DF}">
-                <a14:hiddenLine xmlns="" xmlns:a14="http://schemas.microsoft.com/office/drawing/2010/main" w="9525">
+                <a14:hiddenLine xmlns:a14="http://schemas.microsoft.com/office/drawing/2010/main" xmlns="" w="9525">
                   <a:solidFill>
                     <a:srgbClr val="000000"/>
                   </a:solidFill>
@@ -3821,7 +3822,7 @@
             </a:ln>
             <a:extLst>
               <a:ext uri="{91240B29-F687-4f45-9708-019B960494DF}">
-                <a14:hiddenLine xmlns="" xmlns:a14="http://schemas.microsoft.com/office/drawing/2010/main" w="9525">
+                <a14:hiddenLine xmlns:a14="http://schemas.microsoft.com/office/drawing/2010/main" xmlns="" w="9525">
                   <a:solidFill>
                     <a:srgbClr val="000000"/>
                   </a:solidFill>
@@ -3911,7 +3912,7 @@
             </a:ln>
             <a:extLst>
               <a:ext uri="{91240B29-F687-4f45-9708-019B960494DF}">
-                <a14:hiddenLine xmlns="" xmlns:a14="http://schemas.microsoft.com/office/drawing/2010/main" w="9525">
+                <a14:hiddenLine xmlns:a14="http://schemas.microsoft.com/office/drawing/2010/main" xmlns="" w="9525">
                   <a:solidFill>
                     <a:srgbClr val="000000"/>
                   </a:solidFill>
@@ -3973,7 +3974,7 @@
             </a:ln>
             <a:extLst>
               <a:ext uri="{91240B29-F687-4f45-9708-019B960494DF}">
-                <a14:hiddenLine xmlns="" xmlns:a14="http://schemas.microsoft.com/office/drawing/2010/main" w="9525">
+                <a14:hiddenLine xmlns:a14="http://schemas.microsoft.com/office/drawing/2010/main" xmlns="" w="9525">
                   <a:solidFill>
                     <a:srgbClr val="000000"/>
                   </a:solidFill>
@@ -4093,7 +4094,7 @@
             </a:ln>
             <a:extLst>
               <a:ext uri="{91240B29-F687-4f45-9708-019B960494DF}">
-                <a14:hiddenLine xmlns="" xmlns:a14="http://schemas.microsoft.com/office/drawing/2010/main" w="9525">
+                <a14:hiddenLine xmlns:a14="http://schemas.microsoft.com/office/drawing/2010/main" xmlns="" w="9525">
                   <a:solidFill>
                     <a:srgbClr val="000000"/>
                   </a:solidFill>
@@ -4161,7 +4162,7 @@
             </a:ln>
             <a:extLst>
               <a:ext uri="{91240B29-F687-4f45-9708-019B960494DF}">
-                <a14:hiddenLine xmlns="" xmlns:a14="http://schemas.microsoft.com/office/drawing/2010/main" w="9525">
+                <a14:hiddenLine xmlns:a14="http://schemas.microsoft.com/office/drawing/2010/main" xmlns="" w="9525">
                   <a:solidFill>
                     <a:srgbClr val="000000"/>
                   </a:solidFill>
@@ -4251,7 +4252,7 @@
             </a:ln>
             <a:extLst>
               <a:ext uri="{91240B29-F687-4f45-9708-019B960494DF}">
-                <a14:hiddenLine xmlns="" xmlns:a14="http://schemas.microsoft.com/office/drawing/2010/main" w="9525">
+                <a14:hiddenLine xmlns:a14="http://schemas.microsoft.com/office/drawing/2010/main" xmlns="" w="9525">
                   <a:solidFill>
                     <a:srgbClr val="000000"/>
                   </a:solidFill>
@@ -4391,7 +4392,7 @@
           <a:p>
             <a:fld id="{48A87A34-81AB-432B-8DAE-1953F412C126}" type="datetimeFigureOut">
               <a:rPr lang="en-US" dirty="0"/>
-              <a:t>3/12/2024</a:t>
+              <a:t>3/14/2024</a:t>
             </a:fld>
             <a:endParaRPr lang="en-US" dirty="0"/>
           </a:p>
@@ -4653,7 +4654,7 @@
           <a:p>
             <a:fld id="{48A87A34-81AB-432B-8DAE-1953F412C126}" type="datetimeFigureOut">
               <a:rPr lang="en-US" dirty="0"/>
-              <a:t>3/12/2024</a:t>
+              <a:t>3/14/2024</a:t>
             </a:fld>
             <a:endParaRPr lang="en-US" dirty="0"/>
           </a:p>
@@ -4844,7 +4845,7 @@
           <a:p>
             <a:fld id="{48A87A34-81AB-432B-8DAE-1953F412C126}" type="datetimeFigureOut">
               <a:rPr lang="en-US" dirty="0"/>
-              <a:t>3/12/2024</a:t>
+              <a:t>3/14/2024</a:t>
             </a:fld>
             <a:endParaRPr lang="en-US" dirty="0"/>
           </a:p>
@@ -5102,7 +5103,7 @@
           <a:p>
             <a:fld id="{48A87A34-81AB-432B-8DAE-1953F412C126}" type="datetimeFigureOut">
               <a:rPr lang="en-US" dirty="0"/>
-              <a:t>3/12/2024</a:t>
+              <a:t>3/14/2024</a:t>
             </a:fld>
             <a:endParaRPr lang="en-US" dirty="0"/>
           </a:p>
@@ -5531,7 +5532,7 @@
           <a:p>
             <a:fld id="{48A87A34-81AB-432B-8DAE-1953F412C126}" type="datetimeFigureOut">
               <a:rPr lang="en-US" dirty="0"/>
-              <a:t>3/12/2024</a:t>
+              <a:t>3/14/2024</a:t>
             </a:fld>
             <a:endParaRPr lang="en-US" dirty="0"/>
           </a:p>
@@ -6072,7 +6073,7 @@
           <a:p>
             <a:fld id="{48A87A34-81AB-432B-8DAE-1953F412C126}" type="datetimeFigureOut">
               <a:rPr lang="en-US" dirty="0"/>
-              <a:t>3/12/2024</a:t>
+              <a:t>3/14/2024</a:t>
             </a:fld>
             <a:endParaRPr lang="en-US" dirty="0"/>
           </a:p>
@@ -6787,7 +6788,7 @@
           <a:p>
             <a:fld id="{48A87A34-81AB-432B-8DAE-1953F412C126}" type="datetimeFigureOut">
               <a:rPr lang="en-US" dirty="0"/>
-              <a:t>3/12/2024</a:t>
+              <a:t>3/14/2024</a:t>
             </a:fld>
             <a:endParaRPr lang="en-US" dirty="0"/>
           </a:p>
@@ -6952,7 +6953,7 @@
           <a:p>
             <a:fld id="{48A87A34-81AB-432B-8DAE-1953F412C126}" type="datetimeFigureOut">
               <a:rPr lang="en-US" dirty="0"/>
-              <a:t>3/12/2024</a:t>
+              <a:t>3/14/2024</a:t>
             </a:fld>
             <a:endParaRPr lang="en-US" dirty="0"/>
           </a:p>
@@ -7127,7 +7128,7 @@
           <a:p>
             <a:fld id="{48A87A34-81AB-432B-8DAE-1953F412C126}" type="datetimeFigureOut">
               <a:rPr lang="en-US" dirty="0"/>
-              <a:t>3/12/2024</a:t>
+              <a:t>3/14/2024</a:t>
             </a:fld>
             <a:endParaRPr lang="en-US" dirty="0"/>
           </a:p>
@@ -7292,7 +7293,7 @@
           <a:p>
             <a:fld id="{48A87A34-81AB-432B-8DAE-1953F412C126}" type="datetimeFigureOut">
               <a:rPr lang="en-US" dirty="0"/>
-              <a:t>3/12/2024</a:t>
+              <a:t>3/14/2024</a:t>
             </a:fld>
             <a:endParaRPr lang="en-US" dirty="0"/>
           </a:p>
@@ -7537,7 +7538,7 @@
           <a:p>
             <a:fld id="{48A87A34-81AB-432B-8DAE-1953F412C126}" type="datetimeFigureOut">
               <a:rPr lang="en-US" dirty="0"/>
-              <a:t>3/12/2024</a:t>
+              <a:t>3/14/2024</a:t>
             </a:fld>
             <a:endParaRPr lang="en-US" dirty="0"/>
           </a:p>
@@ -7764,7 +7765,7 @@
           <a:p>
             <a:fld id="{48A87A34-81AB-432B-8DAE-1953F412C126}" type="datetimeFigureOut">
               <a:rPr lang="en-US" dirty="0"/>
-              <a:t>3/12/2024</a:t>
+              <a:t>3/14/2024</a:t>
             </a:fld>
             <a:endParaRPr lang="en-US" dirty="0"/>
           </a:p>
@@ -8140,7 +8141,7 @@
           <a:p>
             <a:fld id="{48A87A34-81AB-432B-8DAE-1953F412C126}" type="datetimeFigureOut">
               <a:rPr lang="en-US" dirty="0"/>
-              <a:t>3/12/2024</a:t>
+              <a:t>3/14/2024</a:t>
             </a:fld>
             <a:endParaRPr lang="en-US" dirty="0"/>
           </a:p>
@@ -8253,7 +8254,7 @@
           <a:p>
             <a:fld id="{48A87A34-81AB-432B-8DAE-1953F412C126}" type="datetimeFigureOut">
               <a:rPr lang="en-US" dirty="0"/>
-              <a:t>3/12/2024</a:t>
+              <a:t>3/14/2024</a:t>
             </a:fld>
             <a:endParaRPr lang="en-US" dirty="0"/>
           </a:p>
@@ -8343,7 +8344,7 @@
           <a:p>
             <a:fld id="{48A87A34-81AB-432B-8DAE-1953F412C126}" type="datetimeFigureOut">
               <a:rPr lang="en-US" dirty="0"/>
-              <a:t>3/12/2024</a:t>
+              <a:t>3/14/2024</a:t>
             </a:fld>
             <a:endParaRPr lang="en-US" dirty="0"/>
           </a:p>
@@ -8587,7 +8588,7 @@
           <a:p>
             <a:fld id="{48A87A34-81AB-432B-8DAE-1953F412C126}" type="datetimeFigureOut">
               <a:rPr lang="en-US" dirty="0"/>
-              <a:t>3/12/2024</a:t>
+              <a:t>3/14/2024</a:t>
             </a:fld>
             <a:endParaRPr lang="en-US" dirty="0"/>
           </a:p>
@@ -8862,7 +8863,7 @@
           <a:p>
             <a:fld id="{48A87A34-81AB-432B-8DAE-1953F412C126}" type="datetimeFigureOut">
               <a:rPr lang="en-US" dirty="0"/>
-              <a:t>3/12/2024</a:t>
+              <a:t>3/14/2024</a:t>
             </a:fld>
             <a:endParaRPr lang="en-US" dirty="0"/>
           </a:p>
@@ -8973,7 +8974,7 @@
           <a:noFill/>
           <a:extLst>
             <a:ext uri="{909E8E84-426E-40dd-AFC4-6F175D3DCCD1}">
-              <a14:hiddenFill xmlns="" xmlns:a14="http://schemas.microsoft.com/office/drawing/2010/main">
+              <a14:hiddenFill xmlns:a14="http://schemas.microsoft.com/office/drawing/2010/main" xmlns="">
                 <a:solidFill>
                   <a:srgbClr val="FFFFFF"/>
                 </a:solidFill>
@@ -9047,7 +9048,7 @@
               </a:ln>
               <a:extLst>
                 <a:ext uri="{91240B29-F687-4f45-9708-019B960494DF}">
-                  <a14:hiddenLine xmlns="" xmlns:a14="http://schemas.microsoft.com/office/drawing/2010/main" w="9525">
+                  <a14:hiddenLine xmlns:a14="http://schemas.microsoft.com/office/drawing/2010/main" xmlns="" w="9525">
                     <a:solidFill>
                       <a:srgbClr val="000000"/>
                     </a:solidFill>
@@ -9137,7 +9138,7 @@
               </a:ln>
               <a:extLst>
                 <a:ext uri="{91240B29-F687-4f45-9708-019B960494DF}">
-                  <a14:hiddenLine xmlns="" xmlns:a14="http://schemas.microsoft.com/office/drawing/2010/main" w="9525">
+                  <a14:hiddenLine xmlns:a14="http://schemas.microsoft.com/office/drawing/2010/main" xmlns="" w="9525">
                     <a:solidFill>
                       <a:srgbClr val="000000"/>
                     </a:solidFill>
@@ -9227,7 +9228,7 @@
               </a:ln>
               <a:extLst>
                 <a:ext uri="{91240B29-F687-4f45-9708-019B960494DF}">
-                  <a14:hiddenLine xmlns="" xmlns:a14="http://schemas.microsoft.com/office/drawing/2010/main" w="9525">
+                  <a14:hiddenLine xmlns:a14="http://schemas.microsoft.com/office/drawing/2010/main" xmlns="" w="9525">
                     <a:solidFill>
                       <a:srgbClr val="000000"/>
                     </a:solidFill>
@@ -9289,7 +9290,7 @@
               </a:ln>
               <a:extLst>
                 <a:ext uri="{91240B29-F687-4f45-9708-019B960494DF}">
-                  <a14:hiddenLine xmlns="" xmlns:a14="http://schemas.microsoft.com/office/drawing/2010/main" w="9525">
+                  <a14:hiddenLine xmlns:a14="http://schemas.microsoft.com/office/drawing/2010/main" xmlns="" w="9525">
                     <a:solidFill>
                       <a:srgbClr val="000000"/>
                     </a:solidFill>
@@ -9379,7 +9380,7 @@
               </a:ln>
               <a:extLst>
                 <a:ext uri="{91240B29-F687-4f45-9708-019B960494DF}">
-                  <a14:hiddenLine xmlns="" xmlns:a14="http://schemas.microsoft.com/office/drawing/2010/main" w="9525">
+                  <a14:hiddenLine xmlns:a14="http://schemas.microsoft.com/office/drawing/2010/main" xmlns="" w="9525">
                     <a:solidFill>
                       <a:srgbClr val="000000"/>
                     </a:solidFill>
@@ -9441,7 +9442,7 @@
               </a:ln>
               <a:extLst>
                 <a:ext uri="{91240B29-F687-4f45-9708-019B960494DF}">
-                  <a14:hiddenLine xmlns="" xmlns:a14="http://schemas.microsoft.com/office/drawing/2010/main" w="9525">
+                  <a14:hiddenLine xmlns:a14="http://schemas.microsoft.com/office/drawing/2010/main" xmlns="" w="9525">
                     <a:solidFill>
                       <a:srgbClr val="000000"/>
                     </a:solidFill>
@@ -9503,7 +9504,7 @@
               </a:ln>
               <a:extLst>
                 <a:ext uri="{91240B29-F687-4f45-9708-019B960494DF}">
-                  <a14:hiddenLine xmlns="" xmlns:a14="http://schemas.microsoft.com/office/drawing/2010/main" w="9525">
+                  <a14:hiddenLine xmlns:a14="http://schemas.microsoft.com/office/drawing/2010/main" xmlns="" w="9525">
                     <a:solidFill>
                       <a:srgbClr val="000000"/>
                     </a:solidFill>
@@ -9593,7 +9594,7 @@
               </a:ln>
               <a:extLst>
                 <a:ext uri="{91240B29-F687-4f45-9708-019B960494DF}">
-                  <a14:hiddenLine xmlns="" xmlns:a14="http://schemas.microsoft.com/office/drawing/2010/main" w="9525">
+                  <a14:hiddenLine xmlns:a14="http://schemas.microsoft.com/office/drawing/2010/main" xmlns="" w="9525">
                     <a:solidFill>
                       <a:srgbClr val="000000"/>
                     </a:solidFill>
@@ -9683,7 +9684,7 @@
               </a:ln>
               <a:extLst>
                 <a:ext uri="{91240B29-F687-4f45-9708-019B960494DF}">
-                  <a14:hiddenLine xmlns="" xmlns:a14="http://schemas.microsoft.com/office/drawing/2010/main" w="9525">
+                  <a14:hiddenLine xmlns:a14="http://schemas.microsoft.com/office/drawing/2010/main" xmlns="" w="9525">
                     <a:solidFill>
                       <a:srgbClr val="000000"/>
                     </a:solidFill>
@@ -9745,7 +9746,7 @@
               </a:ln>
               <a:extLst>
                 <a:ext uri="{91240B29-F687-4f45-9708-019B960494DF}">
-                  <a14:hiddenLine xmlns="" xmlns:a14="http://schemas.microsoft.com/office/drawing/2010/main" w="9525">
+                  <a14:hiddenLine xmlns:a14="http://schemas.microsoft.com/office/drawing/2010/main" xmlns="" w="9525">
                     <a:solidFill>
                       <a:srgbClr val="000000"/>
                     </a:solidFill>
@@ -9855,7 +9856,7 @@
               </a:ln>
               <a:extLst>
                 <a:ext uri="{91240B29-F687-4f45-9708-019B960494DF}">
-                  <a14:hiddenLine xmlns="" xmlns:a14="http://schemas.microsoft.com/office/drawing/2010/main" w="9525">
+                  <a14:hiddenLine xmlns:a14="http://schemas.microsoft.com/office/drawing/2010/main" xmlns="" w="9525">
                     <a:solidFill>
                       <a:srgbClr val="000000"/>
                     </a:solidFill>
@@ -9939,7 +9940,7 @@
               </a:ln>
               <a:extLst>
                 <a:ext uri="{91240B29-F687-4f45-9708-019B960494DF}">
-                  <a14:hiddenLine xmlns="" xmlns:a14="http://schemas.microsoft.com/office/drawing/2010/main" w="9525">
+                  <a14:hiddenLine xmlns:a14="http://schemas.microsoft.com/office/drawing/2010/main" xmlns="" w="9525">
                     <a:solidFill>
                       <a:srgbClr val="000000"/>
                     </a:solidFill>
@@ -10001,7 +10002,7 @@
               </a:ln>
               <a:extLst>
                 <a:ext uri="{91240B29-F687-4f45-9708-019B960494DF}">
-                  <a14:hiddenLine xmlns="" xmlns:a14="http://schemas.microsoft.com/office/drawing/2010/main" w="9525">
+                  <a14:hiddenLine xmlns:a14="http://schemas.microsoft.com/office/drawing/2010/main" xmlns="" w="9525">
                     <a:solidFill>
                       <a:srgbClr val="000000"/>
                     </a:solidFill>
@@ -10063,7 +10064,7 @@
               </a:ln>
               <a:extLst>
                 <a:ext uri="{91240B29-F687-4f45-9708-019B960494DF}">
-                  <a14:hiddenLine xmlns="" xmlns:a14="http://schemas.microsoft.com/office/drawing/2010/main" w="9525">
+                  <a14:hiddenLine xmlns:a14="http://schemas.microsoft.com/office/drawing/2010/main" xmlns="" w="9525">
                     <a:solidFill>
                       <a:srgbClr val="000000"/>
                     </a:solidFill>
@@ -10153,7 +10154,7 @@
               </a:ln>
               <a:extLst>
                 <a:ext uri="{91240B29-F687-4f45-9708-019B960494DF}">
-                  <a14:hiddenLine xmlns="" xmlns:a14="http://schemas.microsoft.com/office/drawing/2010/main" w="9525">
+                  <a14:hiddenLine xmlns:a14="http://schemas.microsoft.com/office/drawing/2010/main" xmlns="" w="9525">
                     <a:solidFill>
                       <a:srgbClr val="000000"/>
                     </a:solidFill>
@@ -10187,7 +10188,7 @@
               </a:ln>
               <a:extLst>
                 <a:ext uri="{91240B29-F687-4f45-9708-019B960494DF}">
-                  <a14:hiddenLine xmlns="" xmlns:a14="http://schemas.microsoft.com/office/drawing/2010/main" w="9525">
+                  <a14:hiddenLine xmlns:a14="http://schemas.microsoft.com/office/drawing/2010/main" xmlns="" w="9525">
                     <a:solidFill>
                       <a:srgbClr val="000000"/>
                     </a:solidFill>
@@ -10252,7 +10253,7 @@
               </a:ln>
               <a:extLst>
                 <a:ext uri="{91240B29-F687-4f45-9708-019B960494DF}">
-                  <a14:hiddenLine xmlns="" xmlns:a14="http://schemas.microsoft.com/office/drawing/2010/main" w="9525">
+                  <a14:hiddenLine xmlns:a14="http://schemas.microsoft.com/office/drawing/2010/main" xmlns="" w="9525">
                     <a:solidFill>
                       <a:srgbClr val="000000"/>
                     </a:solidFill>
@@ -10342,7 +10343,7 @@
               </a:ln>
               <a:extLst>
                 <a:ext uri="{91240B29-F687-4f45-9708-019B960494DF}">
-                  <a14:hiddenLine xmlns="" xmlns:a14="http://schemas.microsoft.com/office/drawing/2010/main" w="9525">
+                  <a14:hiddenLine xmlns:a14="http://schemas.microsoft.com/office/drawing/2010/main" xmlns="" w="9525">
                     <a:solidFill>
                       <a:srgbClr val="000000"/>
                     </a:solidFill>
@@ -10404,7 +10405,7 @@
               </a:ln>
               <a:extLst>
                 <a:ext uri="{91240B29-F687-4f45-9708-019B960494DF}">
-                  <a14:hiddenLine xmlns="" xmlns:a14="http://schemas.microsoft.com/office/drawing/2010/main" w="9525">
+                  <a14:hiddenLine xmlns:a14="http://schemas.microsoft.com/office/drawing/2010/main" xmlns="" w="9525">
                     <a:solidFill>
                       <a:srgbClr val="000000"/>
                     </a:solidFill>
@@ -10494,7 +10495,7 @@
               </a:ln>
               <a:extLst>
                 <a:ext uri="{91240B29-F687-4f45-9708-019B960494DF}">
-                  <a14:hiddenLine xmlns="" xmlns:a14="http://schemas.microsoft.com/office/drawing/2010/main" w="9525">
+                  <a14:hiddenLine xmlns:a14="http://schemas.microsoft.com/office/drawing/2010/main" xmlns="" w="9525">
                     <a:solidFill>
                       <a:srgbClr val="000000"/>
                     </a:solidFill>
@@ -10559,7 +10560,7 @@
               </a:ln>
               <a:extLst>
                 <a:ext uri="{91240B29-F687-4f45-9708-019B960494DF}">
-                  <a14:hiddenLine xmlns="" xmlns:a14="http://schemas.microsoft.com/office/drawing/2010/main" w="9525">
+                  <a14:hiddenLine xmlns:a14="http://schemas.microsoft.com/office/drawing/2010/main" xmlns="" w="9525">
                     <a:solidFill>
                       <a:srgbClr val="000000"/>
                     </a:solidFill>
@@ -10621,7 +10622,7 @@
               </a:ln>
               <a:extLst>
                 <a:ext uri="{91240B29-F687-4f45-9708-019B960494DF}">
-                  <a14:hiddenLine xmlns="" xmlns:a14="http://schemas.microsoft.com/office/drawing/2010/main" w="9525">
+                  <a14:hiddenLine xmlns:a14="http://schemas.microsoft.com/office/drawing/2010/main" xmlns="" w="9525">
                     <a:solidFill>
                       <a:srgbClr val="000000"/>
                     </a:solidFill>
@@ -10711,7 +10712,7 @@
               </a:ln>
               <a:extLst>
                 <a:ext uri="{91240B29-F687-4f45-9708-019B960494DF}">
-                  <a14:hiddenLine xmlns="" xmlns:a14="http://schemas.microsoft.com/office/drawing/2010/main" w="9525">
+                  <a14:hiddenLine xmlns:a14="http://schemas.microsoft.com/office/drawing/2010/main" xmlns="" w="9525">
                     <a:solidFill>
                       <a:srgbClr val="000000"/>
                     </a:solidFill>
@@ -10801,7 +10802,7 @@
               </a:ln>
               <a:extLst>
                 <a:ext uri="{91240B29-F687-4f45-9708-019B960494DF}">
-                  <a14:hiddenLine xmlns="" xmlns:a14="http://schemas.microsoft.com/office/drawing/2010/main" w="9525">
+                  <a14:hiddenLine xmlns:a14="http://schemas.microsoft.com/office/drawing/2010/main" xmlns="" w="9525">
                     <a:solidFill>
                       <a:srgbClr val="000000"/>
                     </a:solidFill>
@@ -10866,7 +10867,7 @@
               </a:ln>
               <a:extLst>
                 <a:ext uri="{91240B29-F687-4f45-9708-019B960494DF}">
-                  <a14:hiddenLine xmlns="" xmlns:a14="http://schemas.microsoft.com/office/drawing/2010/main" w="9525">
+                  <a14:hiddenLine xmlns:a14="http://schemas.microsoft.com/office/drawing/2010/main" xmlns="" w="9525">
                     <a:solidFill>
                       <a:srgbClr val="000000"/>
                     </a:solidFill>
@@ -10986,7 +10987,7 @@
               </a:ln>
               <a:extLst>
                 <a:ext uri="{91240B29-F687-4f45-9708-019B960494DF}">
-                  <a14:hiddenLine xmlns="" xmlns:a14="http://schemas.microsoft.com/office/drawing/2010/main" w="9525">
+                  <a14:hiddenLine xmlns:a14="http://schemas.microsoft.com/office/drawing/2010/main" xmlns="" w="9525">
                     <a:solidFill>
                       <a:srgbClr val="000000"/>
                     </a:solidFill>
@@ -11084,7 +11085,7 @@
               </a:ln>
               <a:extLst>
                 <a:ext uri="{91240B29-F687-4f45-9708-019B960494DF}">
-                  <a14:hiddenLine xmlns="" xmlns:a14="http://schemas.microsoft.com/office/drawing/2010/main" w="9525">
+                  <a14:hiddenLine xmlns:a14="http://schemas.microsoft.com/office/drawing/2010/main" xmlns="" w="9525">
                     <a:solidFill>
                       <a:srgbClr val="000000"/>
                     </a:solidFill>
@@ -11199,7 +11200,7 @@
               </a:ln>
               <a:extLst>
                 <a:ext uri="{91240B29-F687-4f45-9708-019B960494DF}">
-                  <a14:hiddenLine xmlns="" xmlns:a14="http://schemas.microsoft.com/office/drawing/2010/main" w="9525">
+                  <a14:hiddenLine xmlns:a14="http://schemas.microsoft.com/office/drawing/2010/main" xmlns="" w="9525">
                     <a:solidFill>
                       <a:srgbClr val="000000"/>
                     </a:solidFill>
@@ -11289,7 +11290,7 @@
               </a:ln>
               <a:extLst>
                 <a:ext uri="{91240B29-F687-4f45-9708-019B960494DF}">
-                  <a14:hiddenLine xmlns="" xmlns:a14="http://schemas.microsoft.com/office/drawing/2010/main" w="9525">
+                  <a14:hiddenLine xmlns:a14="http://schemas.microsoft.com/office/drawing/2010/main" xmlns="" w="9525">
                     <a:solidFill>
                       <a:srgbClr val="000000"/>
                     </a:solidFill>
@@ -11354,7 +11355,7 @@
               </a:ln>
               <a:extLst>
                 <a:ext uri="{91240B29-F687-4f45-9708-019B960494DF}">
-                  <a14:hiddenLine xmlns="" xmlns:a14="http://schemas.microsoft.com/office/drawing/2010/main" w="9525">
+                  <a14:hiddenLine xmlns:a14="http://schemas.microsoft.com/office/drawing/2010/main" xmlns="" w="9525">
                     <a:solidFill>
                       <a:srgbClr val="000000"/>
                     </a:solidFill>
@@ -11444,7 +11445,7 @@
               </a:ln>
               <a:extLst>
                 <a:ext uri="{91240B29-F687-4f45-9708-019B960494DF}">
-                  <a14:hiddenLine xmlns="" xmlns:a14="http://schemas.microsoft.com/office/drawing/2010/main" w="9525">
+                  <a14:hiddenLine xmlns:a14="http://schemas.microsoft.com/office/drawing/2010/main" xmlns="" w="9525">
                     <a:solidFill>
                       <a:srgbClr val="000000"/>
                     </a:solidFill>
@@ -11512,7 +11513,7 @@
               </a:ln>
               <a:extLst>
                 <a:ext uri="{91240B29-F687-4f45-9708-019B960494DF}">
-                  <a14:hiddenLine xmlns="" xmlns:a14="http://schemas.microsoft.com/office/drawing/2010/main" w="9525">
+                  <a14:hiddenLine xmlns:a14="http://schemas.microsoft.com/office/drawing/2010/main" xmlns="" w="9525">
                     <a:solidFill>
                       <a:srgbClr val="000000"/>
                     </a:solidFill>
@@ -11602,7 +11603,7 @@
               </a:ln>
               <a:extLst>
                 <a:ext uri="{91240B29-F687-4f45-9708-019B960494DF}">
-                  <a14:hiddenLine xmlns="" xmlns:a14="http://schemas.microsoft.com/office/drawing/2010/main" w="9525">
+                  <a14:hiddenLine xmlns:a14="http://schemas.microsoft.com/office/drawing/2010/main" xmlns="" w="9525">
                     <a:solidFill>
                       <a:srgbClr val="000000"/>
                     </a:solidFill>
@@ -11670,7 +11671,7 @@
               </a:ln>
               <a:extLst>
                 <a:ext uri="{91240B29-F687-4f45-9708-019B960494DF}">
-                  <a14:hiddenLine xmlns="" xmlns:a14="http://schemas.microsoft.com/office/drawing/2010/main" w="9525">
+                  <a14:hiddenLine xmlns:a14="http://schemas.microsoft.com/office/drawing/2010/main" xmlns="" w="9525">
                     <a:solidFill>
                       <a:srgbClr val="000000"/>
                     </a:solidFill>
@@ -11760,7 +11761,7 @@
               </a:ln>
               <a:extLst>
                 <a:ext uri="{91240B29-F687-4f45-9708-019B960494DF}">
-                  <a14:hiddenLine xmlns="" xmlns:a14="http://schemas.microsoft.com/office/drawing/2010/main" w="9525">
+                  <a14:hiddenLine xmlns:a14="http://schemas.microsoft.com/office/drawing/2010/main" xmlns="" w="9525">
                     <a:solidFill>
                       <a:srgbClr val="000000"/>
                     </a:solidFill>
@@ -11794,7 +11795,7 @@
               </a:ln>
               <a:extLst>
                 <a:ext uri="{91240B29-F687-4f45-9708-019B960494DF}">
-                  <a14:hiddenLine xmlns="" xmlns:a14="http://schemas.microsoft.com/office/drawing/2010/main" w="9525">
+                  <a14:hiddenLine xmlns:a14="http://schemas.microsoft.com/office/drawing/2010/main" xmlns="" w="9525">
                     <a:solidFill>
                       <a:srgbClr val="000000"/>
                     </a:solidFill>
@@ -11935,7 +11936,7 @@
             <a:fld id="{48A87A34-81AB-432B-8DAE-1953F412C126}" type="datetimeFigureOut">
               <a:rPr lang="en-US" dirty="0"/>
               <a:pPr/>
-              <a:t>3/12/2024</a:t>
+              <a:t>3/14/2024</a:t>
             </a:fld>
             <a:endParaRPr lang="en-US" dirty="0"/>
           </a:p>
@@ -12441,6 +12442,118 @@
           <p:cNvPr id="2" name="Title 1">
             <a:extLst>
               <a:ext uri="{FF2B5EF4-FFF2-40B4-BE49-F238E27FC236}">
+                <a16:creationId xmlns:a16="http://schemas.microsoft.com/office/drawing/2014/main" id="{07FC26D5-E3CA-0CD9-7E2A-5D5184D90D62}"/>
+              </a:ext>
+            </a:extLst>
+          </p:cNvPr>
+          <p:cNvSpPr>
+            <a:spLocks noGrp="1"/>
+          </p:cNvSpPr>
+          <p:nvPr>
+            <p:ph type="title"/>
+          </p:nvPr>
+        </p:nvSpPr>
+        <p:spPr/>
+        <p:txBody>
+          <a:bodyPr/>
+          <a:lstStyle/>
+          <a:p>
+            <a:r>
+              <a:rPr lang="en-US" dirty="0"/>
+              <a:t>Why TDD?	</a:t>
+            </a:r>
+            <a:endParaRPr lang="en-ZA" dirty="0"/>
+          </a:p>
+        </p:txBody>
+      </p:sp>
+      <p:sp>
+        <p:nvSpPr>
+          <p:cNvPr id="3" name="Content Placeholder 2">
+            <a:extLst>
+              <a:ext uri="{FF2B5EF4-FFF2-40B4-BE49-F238E27FC236}">
+                <a16:creationId xmlns:a16="http://schemas.microsoft.com/office/drawing/2014/main" id="{54F9F61A-9313-7792-2C53-E805443BD620}"/>
+              </a:ext>
+            </a:extLst>
+          </p:cNvPr>
+          <p:cNvSpPr>
+            <a:spLocks noGrp="1"/>
+          </p:cNvSpPr>
+          <p:nvPr>
+            <p:ph idx="1"/>
+          </p:nvPr>
+        </p:nvSpPr>
+        <p:spPr/>
+        <p:txBody>
+          <a:bodyPr/>
+          <a:lstStyle/>
+          <a:p>
+            <a:r>
+              <a:rPr lang="en-US" dirty="0"/>
+              <a:t>Thinking Tool</a:t>
+            </a:r>
+          </a:p>
+          <a:p>
+            <a:r>
+              <a:rPr lang="en-US" dirty="0"/>
+              <a:t>Iterative process to solve a problem</a:t>
+            </a:r>
+          </a:p>
+          <a:p>
+            <a:r>
+              <a:rPr lang="en-US" dirty="0"/>
+              <a:t>Allows for changing code without fear of breaking things</a:t>
+            </a:r>
+          </a:p>
+          <a:p>
+            <a:r>
+              <a:rPr lang="en-US" dirty="0"/>
+              <a:t>Allows for refactoring and cleaning up code base</a:t>
+            </a:r>
+          </a:p>
+          <a:p>
+            <a:r>
+              <a:rPr lang="en-US" dirty="0"/>
+              <a:t>Tests After ?</a:t>
+            </a:r>
+            <a:endParaRPr lang="en-ZA" dirty="0"/>
+          </a:p>
+        </p:txBody>
+      </p:sp>
+    </p:spTree>
+    <p:extLst>
+      <p:ext uri="{BB962C8B-B14F-4D97-AF65-F5344CB8AC3E}">
+        <p14:creationId xmlns:p14="http://schemas.microsoft.com/office/powerpoint/2010/main" val="3320976928"/>
+      </p:ext>
+    </p:extLst>
+  </p:cSld>
+  <p:clrMapOvr>
+    <a:masterClrMapping/>
+  </p:clrMapOvr>
+</p:sld>
+</file>
+
+<file path=ppt/slides/slide3.xml><?xml version="1.0" encoding="utf-8"?>
+<p:sld xmlns:a="http://schemas.openxmlformats.org/drawingml/2006/main" xmlns:r="http://schemas.openxmlformats.org/officeDocument/2006/relationships" xmlns:p="http://schemas.openxmlformats.org/presentationml/2006/main">
+  <p:cSld>
+    <p:spTree>
+      <p:nvGrpSpPr>
+        <p:cNvPr id="1" name=""/>
+        <p:cNvGrpSpPr/>
+        <p:nvPr/>
+      </p:nvGrpSpPr>
+      <p:grpSpPr>
+        <a:xfrm>
+          <a:off x="0" y="0"/>
+          <a:ext cx="0" cy="0"/>
+          <a:chOff x="0" y="0"/>
+          <a:chExt cx="0" cy="0"/>
+        </a:xfrm>
+      </p:grpSpPr>
+      <p:sp>
+        <p:nvSpPr>
+          <p:cNvPr id="2" name="Title 1">
+            <a:extLst>
+              <a:ext uri="{FF2B5EF4-FFF2-40B4-BE49-F238E27FC236}">
                 <a16:creationId xmlns:a16="http://schemas.microsoft.com/office/drawing/2014/main" id="{44ACDB86-B193-4C80-7082-AD9784C4F4C3}"/>
               </a:ext>
             </a:extLst>
@@ -12548,7 +12661,7 @@
 </p:sld>
 </file>
 
-<file path=ppt/slides/slide3.xml><?xml version="1.0" encoding="utf-8"?>
+<file path=ppt/slides/slide4.xml><?xml version="1.0" encoding="utf-8"?>
 <p:sld xmlns:a="http://schemas.openxmlformats.org/drawingml/2006/main" xmlns:r="http://schemas.openxmlformats.org/officeDocument/2006/relationships" xmlns:p="http://schemas.openxmlformats.org/presentationml/2006/main">
   <p:cSld>
     <p:spTree>
@@ -12652,7 +12765,7 @@
 </p:sld>
 </file>
 
-<file path=ppt/slides/slide4.xml><?xml version="1.0" encoding="utf-8"?>
+<file path=ppt/slides/slide5.xml><?xml version="1.0" encoding="utf-8"?>
 <p:sld xmlns:a="http://schemas.openxmlformats.org/drawingml/2006/main" xmlns:r="http://schemas.openxmlformats.org/officeDocument/2006/relationships" xmlns:p="http://schemas.openxmlformats.org/presentationml/2006/main">
   <p:cSld>
     <p:spTree>

--- a/TDD Mob Session.pptx
+++ b/TDD Mob Session.pptx
@@ -6,9 +6,9 @@
   </p:sldMasterIdLst>
   <p:sldIdLst>
     <p:sldId id="256" r:id="rId2"/>
-    <p:sldId id="260" r:id="rId3"/>
-    <p:sldId id="257" r:id="rId4"/>
-    <p:sldId id="258" r:id="rId5"/>
+    <p:sldId id="257" r:id="rId3"/>
+    <p:sldId id="258" r:id="rId4"/>
+    <p:sldId id="260" r:id="rId5"/>
     <p:sldId id="259" r:id="rId6"/>
   </p:sldIdLst>
   <p:sldSz cx="12192000" cy="6858000"/>
@@ -166,7 +166,7 @@
           <a:noFill/>
           <a:extLst>
             <a:ext uri="{909E8E84-426E-40dd-AFC4-6F175D3DCCD1}">
-              <a14:hiddenFill xmlns:a14="http://schemas.microsoft.com/office/drawing/2010/main" xmlns="">
+              <a14:hiddenFill xmlns="" xmlns:a14="http://schemas.microsoft.com/office/drawing/2010/main">
                 <a:solidFill>
                   <a:srgbClr val="FFFFFF"/>
                 </a:solidFill>
@@ -226,7 +226,7 @@
             </a:ln>
             <a:extLst>
               <a:ext uri="{91240B29-F687-4f45-9708-019B960494DF}">
-                <a14:hiddenLine xmlns:a14="http://schemas.microsoft.com/office/drawing/2010/main" xmlns="" w="9525">
+                <a14:hiddenLine xmlns="" xmlns:a14="http://schemas.microsoft.com/office/drawing/2010/main" w="9525">
                   <a:solidFill>
                     <a:srgbClr val="000000"/>
                   </a:solidFill>
@@ -316,7 +316,7 @@
             </a:ln>
             <a:extLst>
               <a:ext uri="{91240B29-F687-4f45-9708-019B960494DF}">
-                <a14:hiddenLine xmlns:a14="http://schemas.microsoft.com/office/drawing/2010/main" xmlns="" w="9525">
+                <a14:hiddenLine xmlns="" xmlns:a14="http://schemas.microsoft.com/office/drawing/2010/main" w="9525">
                   <a:solidFill>
                     <a:srgbClr val="000000"/>
                   </a:solidFill>
@@ -406,7 +406,7 @@
             </a:ln>
             <a:extLst>
               <a:ext uri="{91240B29-F687-4f45-9708-019B960494DF}">
-                <a14:hiddenLine xmlns:a14="http://schemas.microsoft.com/office/drawing/2010/main" xmlns="" w="9525">
+                <a14:hiddenLine xmlns="" xmlns:a14="http://schemas.microsoft.com/office/drawing/2010/main" w="9525">
                   <a:solidFill>
                     <a:srgbClr val="000000"/>
                   </a:solidFill>
@@ -440,7 +440,7 @@
             </a:ln>
             <a:extLst>
               <a:ext uri="{91240B29-F687-4f45-9708-019B960494DF}">
-                <a14:hiddenLine xmlns:a14="http://schemas.microsoft.com/office/drawing/2010/main" xmlns="" w="9525">
+                <a14:hiddenLine xmlns="" xmlns:a14="http://schemas.microsoft.com/office/drawing/2010/main" w="9525">
                   <a:solidFill>
                     <a:srgbClr val="000000"/>
                   </a:solidFill>
@@ -530,7 +530,7 @@
             </a:ln>
             <a:extLst>
               <a:ext uri="{91240B29-F687-4f45-9708-019B960494DF}">
-                <a14:hiddenLine xmlns:a14="http://schemas.microsoft.com/office/drawing/2010/main" xmlns="" w="9525">
+                <a14:hiddenLine xmlns="" xmlns:a14="http://schemas.microsoft.com/office/drawing/2010/main" w="9525">
                   <a:solidFill>
                     <a:srgbClr val="000000"/>
                   </a:solidFill>
@@ -592,7 +592,7 @@
             </a:ln>
             <a:extLst>
               <a:ext uri="{91240B29-F687-4f45-9708-019B960494DF}">
-                <a14:hiddenLine xmlns:a14="http://schemas.microsoft.com/office/drawing/2010/main" xmlns="" w="9525">
+                <a14:hiddenLine xmlns="" xmlns:a14="http://schemas.microsoft.com/office/drawing/2010/main" w="9525">
                   <a:solidFill>
                     <a:srgbClr val="000000"/>
                   </a:solidFill>
@@ -654,7 +654,7 @@
             </a:ln>
             <a:extLst>
               <a:ext uri="{91240B29-F687-4f45-9708-019B960494DF}">
-                <a14:hiddenLine xmlns:a14="http://schemas.microsoft.com/office/drawing/2010/main" xmlns="" w="9525">
+                <a14:hiddenLine xmlns="" xmlns:a14="http://schemas.microsoft.com/office/drawing/2010/main" w="9525">
                   <a:solidFill>
                     <a:srgbClr val="000000"/>
                   </a:solidFill>
@@ -744,7 +744,7 @@
             </a:ln>
             <a:extLst>
               <a:ext uri="{91240B29-F687-4f45-9708-019B960494DF}">
-                <a14:hiddenLine xmlns:a14="http://schemas.microsoft.com/office/drawing/2010/main" xmlns="" w="9525">
+                <a14:hiddenLine xmlns="" xmlns:a14="http://schemas.microsoft.com/office/drawing/2010/main" w="9525">
                   <a:solidFill>
                     <a:srgbClr val="000000"/>
                   </a:solidFill>
@@ -806,7 +806,7 @@
             </a:ln>
             <a:extLst>
               <a:ext uri="{91240B29-F687-4f45-9708-019B960494DF}">
-                <a14:hiddenLine xmlns:a14="http://schemas.microsoft.com/office/drawing/2010/main" xmlns="" w="9525">
+                <a14:hiddenLine xmlns="" xmlns:a14="http://schemas.microsoft.com/office/drawing/2010/main" w="9525">
                   <a:solidFill>
                     <a:srgbClr val="000000"/>
                   </a:solidFill>
@@ -868,7 +868,7 @@
             </a:ln>
             <a:extLst>
               <a:ext uri="{91240B29-F687-4f45-9708-019B960494DF}">
-                <a14:hiddenLine xmlns:a14="http://schemas.microsoft.com/office/drawing/2010/main" xmlns="" w="9525">
+                <a14:hiddenLine xmlns="" xmlns:a14="http://schemas.microsoft.com/office/drawing/2010/main" w="9525">
                   <a:solidFill>
                     <a:srgbClr val="000000"/>
                   </a:solidFill>
@@ -958,7 +958,7 @@
             </a:ln>
             <a:extLst>
               <a:ext uri="{91240B29-F687-4f45-9708-019B960494DF}">
-                <a14:hiddenLine xmlns:a14="http://schemas.microsoft.com/office/drawing/2010/main" xmlns="" w="9525">
+                <a14:hiddenLine xmlns="" xmlns:a14="http://schemas.microsoft.com/office/drawing/2010/main" w="9525">
                   <a:solidFill>
                     <a:srgbClr val="000000"/>
                   </a:solidFill>
@@ -1048,7 +1048,7 @@
             </a:ln>
             <a:extLst>
               <a:ext uri="{91240B29-F687-4f45-9708-019B960494DF}">
-                <a14:hiddenLine xmlns:a14="http://schemas.microsoft.com/office/drawing/2010/main" xmlns="" w="9525">
+                <a14:hiddenLine xmlns="" xmlns:a14="http://schemas.microsoft.com/office/drawing/2010/main" w="9525">
                   <a:solidFill>
                     <a:srgbClr val="000000"/>
                   </a:solidFill>
@@ -1110,7 +1110,7 @@
             </a:ln>
             <a:extLst>
               <a:ext uri="{91240B29-F687-4f45-9708-019B960494DF}">
-                <a14:hiddenLine xmlns:a14="http://schemas.microsoft.com/office/drawing/2010/main" xmlns="" w="9525">
+                <a14:hiddenLine xmlns="" xmlns:a14="http://schemas.microsoft.com/office/drawing/2010/main" w="9525">
                   <a:solidFill>
                     <a:srgbClr val="000000"/>
                   </a:solidFill>
@@ -1220,7 +1220,7 @@
             </a:ln>
             <a:extLst>
               <a:ext uri="{91240B29-F687-4f45-9708-019B960494DF}">
-                <a14:hiddenLine xmlns:a14="http://schemas.microsoft.com/office/drawing/2010/main" xmlns="" w="9525">
+                <a14:hiddenLine xmlns="" xmlns:a14="http://schemas.microsoft.com/office/drawing/2010/main" w="9525">
                   <a:solidFill>
                     <a:srgbClr val="000000"/>
                   </a:solidFill>
@@ -1282,7 +1282,7 @@
             </a:ln>
             <a:extLst>
               <a:ext uri="{91240B29-F687-4f45-9708-019B960494DF}">
-                <a14:hiddenLine xmlns:a14="http://schemas.microsoft.com/office/drawing/2010/main" xmlns="" w="9525">
+                <a14:hiddenLine xmlns="" xmlns:a14="http://schemas.microsoft.com/office/drawing/2010/main" w="9525">
                   <a:solidFill>
                     <a:srgbClr val="000000"/>
                   </a:solidFill>
@@ -1372,7 +1372,7 @@
             </a:ln>
             <a:extLst>
               <a:ext uri="{91240B29-F687-4f45-9708-019B960494DF}">
-                <a14:hiddenLine xmlns:a14="http://schemas.microsoft.com/office/drawing/2010/main" xmlns="" w="9525">
+                <a14:hiddenLine xmlns="" xmlns:a14="http://schemas.microsoft.com/office/drawing/2010/main" w="9525">
                   <a:solidFill>
                     <a:srgbClr val="000000"/>
                   </a:solidFill>
@@ -1462,7 +1462,7 @@
             </a:ln>
             <a:extLst>
               <a:ext uri="{91240B29-F687-4f45-9708-019B960494DF}">
-                <a14:hiddenLine xmlns:a14="http://schemas.microsoft.com/office/drawing/2010/main" xmlns="" w="9525">
+                <a14:hiddenLine xmlns="" xmlns:a14="http://schemas.microsoft.com/office/drawing/2010/main" w="9525">
                   <a:solidFill>
                     <a:srgbClr val="000000"/>
                   </a:solidFill>
@@ -1524,7 +1524,7 @@
             </a:ln>
             <a:extLst>
               <a:ext uri="{91240B29-F687-4f45-9708-019B960494DF}">
-                <a14:hiddenLine xmlns:a14="http://schemas.microsoft.com/office/drawing/2010/main" xmlns="" w="9525">
+                <a14:hiddenLine xmlns="" xmlns:a14="http://schemas.microsoft.com/office/drawing/2010/main" w="9525">
                   <a:solidFill>
                     <a:srgbClr val="000000"/>
                   </a:solidFill>
@@ -1614,7 +1614,7 @@
             </a:ln>
             <a:extLst>
               <a:ext uri="{91240B29-F687-4f45-9708-019B960494DF}">
-                <a14:hiddenLine xmlns:a14="http://schemas.microsoft.com/office/drawing/2010/main" xmlns="" w="9525">
+                <a14:hiddenLine xmlns="" xmlns:a14="http://schemas.microsoft.com/office/drawing/2010/main" w="9525">
                   <a:solidFill>
                     <a:srgbClr val="000000"/>
                   </a:solidFill>
@@ -1704,7 +1704,7 @@
             </a:ln>
             <a:extLst>
               <a:ext uri="{91240B29-F687-4f45-9708-019B960494DF}">
-                <a14:hiddenLine xmlns:a14="http://schemas.microsoft.com/office/drawing/2010/main" xmlns="" w="9525">
+                <a14:hiddenLine xmlns="" xmlns:a14="http://schemas.microsoft.com/office/drawing/2010/main" w="9525">
                   <a:solidFill>
                     <a:srgbClr val="000000"/>
                   </a:solidFill>
@@ -1760,7 +1760,7 @@
             </a:ln>
             <a:extLst>
               <a:ext uri="{91240B29-F687-4f45-9708-019B960494DF}">
-                <a14:hiddenLine xmlns:a14="http://schemas.microsoft.com/office/drawing/2010/main" xmlns="" w="9525">
+                <a14:hiddenLine xmlns="" xmlns:a14="http://schemas.microsoft.com/office/drawing/2010/main" w="9525">
                   <a:solidFill>
                     <a:srgbClr val="000000"/>
                   </a:solidFill>
@@ -1850,7 +1850,7 @@
             </a:ln>
             <a:extLst>
               <a:ext uri="{91240B29-F687-4f45-9708-019B960494DF}">
-                <a14:hiddenLine xmlns:a14="http://schemas.microsoft.com/office/drawing/2010/main" xmlns="" w="9525">
+                <a14:hiddenLine xmlns="" xmlns:a14="http://schemas.microsoft.com/office/drawing/2010/main" w="9525">
                   <a:solidFill>
                     <a:srgbClr val="000000"/>
                   </a:solidFill>
@@ -1906,7 +1906,7 @@
             </a:ln>
             <a:extLst>
               <a:ext uri="{91240B29-F687-4f45-9708-019B960494DF}">
-                <a14:hiddenLine xmlns:a14="http://schemas.microsoft.com/office/drawing/2010/main" xmlns="" w="9525">
+                <a14:hiddenLine xmlns="" xmlns:a14="http://schemas.microsoft.com/office/drawing/2010/main" w="9525">
                   <a:solidFill>
                     <a:srgbClr val="000000"/>
                   </a:solidFill>
@@ -1996,7 +1996,7 @@
             </a:ln>
             <a:extLst>
               <a:ext uri="{91240B29-F687-4f45-9708-019B960494DF}">
-                <a14:hiddenLine xmlns:a14="http://schemas.microsoft.com/office/drawing/2010/main" xmlns="" w="9525">
+                <a14:hiddenLine xmlns="" xmlns:a14="http://schemas.microsoft.com/office/drawing/2010/main" w="9525">
                   <a:solidFill>
                     <a:srgbClr val="000000"/>
                   </a:solidFill>
@@ -2064,7 +2064,7 @@
             </a:ln>
             <a:extLst>
               <a:ext uri="{91240B29-F687-4f45-9708-019B960494DF}">
-                <a14:hiddenLine xmlns:a14="http://schemas.microsoft.com/office/drawing/2010/main" xmlns="" w="9525">
+                <a14:hiddenLine xmlns="" xmlns:a14="http://schemas.microsoft.com/office/drawing/2010/main" w="9525">
                   <a:solidFill>
                     <a:srgbClr val="000000"/>
                   </a:solidFill>
@@ -2154,7 +2154,7 @@
             </a:ln>
             <a:extLst>
               <a:ext uri="{91240B29-F687-4f45-9708-019B960494DF}">
-                <a14:hiddenLine xmlns:a14="http://schemas.microsoft.com/office/drawing/2010/main" xmlns="" w="9525">
+                <a14:hiddenLine xmlns="" xmlns:a14="http://schemas.microsoft.com/office/drawing/2010/main" w="9525">
                   <a:solidFill>
                     <a:srgbClr val="000000"/>
                   </a:solidFill>
@@ -2222,7 +2222,7 @@
             </a:ln>
             <a:extLst>
               <a:ext uri="{91240B29-F687-4f45-9708-019B960494DF}">
-                <a14:hiddenLine xmlns:a14="http://schemas.microsoft.com/office/drawing/2010/main" xmlns="" w="9525">
+                <a14:hiddenLine xmlns="" xmlns:a14="http://schemas.microsoft.com/office/drawing/2010/main" w="9525">
                   <a:solidFill>
                     <a:srgbClr val="000000"/>
                   </a:solidFill>
@@ -2312,7 +2312,7 @@
             </a:ln>
             <a:extLst>
               <a:ext uri="{91240B29-F687-4f45-9708-019B960494DF}">
-                <a14:hiddenLine xmlns:a14="http://schemas.microsoft.com/office/drawing/2010/main" xmlns="" w="9525">
+                <a14:hiddenLine xmlns="" xmlns:a14="http://schemas.microsoft.com/office/drawing/2010/main" w="9525">
                   <a:solidFill>
                     <a:srgbClr val="000000"/>
                   </a:solidFill>
@@ -2346,7 +2346,7 @@
             </a:ln>
             <a:extLst>
               <a:ext uri="{91240B29-F687-4f45-9708-019B960494DF}">
-                <a14:hiddenLine xmlns:a14="http://schemas.microsoft.com/office/drawing/2010/main" xmlns="" w="9525">
+                <a14:hiddenLine xmlns="" xmlns:a14="http://schemas.microsoft.com/office/drawing/2010/main" w="9525">
                   <a:solidFill>
                     <a:srgbClr val="000000"/>
                   </a:solidFill>
@@ -2436,7 +2436,7 @@
             </a:ln>
             <a:extLst>
               <a:ext uri="{91240B29-F687-4f45-9708-019B960494DF}">
-                <a14:hiddenLine xmlns:a14="http://schemas.microsoft.com/office/drawing/2010/main" xmlns="" w="9525">
+                <a14:hiddenLine xmlns="" xmlns:a14="http://schemas.microsoft.com/office/drawing/2010/main" w="9525">
                   <a:solidFill>
                     <a:srgbClr val="000000"/>
                   </a:solidFill>
@@ -2498,7 +2498,7 @@
             </a:ln>
             <a:extLst>
               <a:ext uri="{91240B29-F687-4f45-9708-019B960494DF}">
-                <a14:hiddenLine xmlns:a14="http://schemas.microsoft.com/office/drawing/2010/main" xmlns="" w="9525">
+                <a14:hiddenLine xmlns="" xmlns:a14="http://schemas.microsoft.com/office/drawing/2010/main" w="9525">
                   <a:solidFill>
                     <a:srgbClr val="000000"/>
                   </a:solidFill>
@@ -2560,7 +2560,7 @@
             </a:ln>
             <a:extLst>
               <a:ext uri="{91240B29-F687-4f45-9708-019B960494DF}">
-                <a14:hiddenLine xmlns:a14="http://schemas.microsoft.com/office/drawing/2010/main" xmlns="" w="9525">
+                <a14:hiddenLine xmlns="" xmlns:a14="http://schemas.microsoft.com/office/drawing/2010/main" w="9525">
                   <a:solidFill>
                     <a:srgbClr val="000000"/>
                   </a:solidFill>
@@ -2650,7 +2650,7 @@
             </a:ln>
             <a:extLst>
               <a:ext uri="{91240B29-F687-4f45-9708-019B960494DF}">
-                <a14:hiddenLine xmlns:a14="http://schemas.microsoft.com/office/drawing/2010/main" xmlns="" w="9525">
+                <a14:hiddenLine xmlns="" xmlns:a14="http://schemas.microsoft.com/office/drawing/2010/main" w="9525">
                   <a:solidFill>
                     <a:srgbClr val="000000"/>
                   </a:solidFill>
@@ -2718,7 +2718,7 @@
             </a:ln>
             <a:extLst>
               <a:ext uri="{91240B29-F687-4f45-9708-019B960494DF}">
-                <a14:hiddenLine xmlns:a14="http://schemas.microsoft.com/office/drawing/2010/main" xmlns="" w="9525">
+                <a14:hiddenLine xmlns="" xmlns:a14="http://schemas.microsoft.com/office/drawing/2010/main" w="9525">
                   <a:solidFill>
                     <a:srgbClr val="000000"/>
                   </a:solidFill>
@@ -2780,7 +2780,7 @@
             </a:ln>
             <a:extLst>
               <a:ext uri="{91240B29-F687-4f45-9708-019B960494DF}">
-                <a14:hiddenLine xmlns:a14="http://schemas.microsoft.com/office/drawing/2010/main" xmlns="" w="9525">
+                <a14:hiddenLine xmlns="" xmlns:a14="http://schemas.microsoft.com/office/drawing/2010/main" w="9525">
                   <a:solidFill>
                     <a:srgbClr val="000000"/>
                   </a:solidFill>
@@ -2870,7 +2870,7 @@
             </a:ln>
             <a:extLst>
               <a:ext uri="{91240B29-F687-4f45-9708-019B960494DF}">
-                <a14:hiddenLine xmlns:a14="http://schemas.microsoft.com/office/drawing/2010/main" xmlns="" w="9525">
+                <a14:hiddenLine xmlns="" xmlns:a14="http://schemas.microsoft.com/office/drawing/2010/main" w="9525">
                   <a:solidFill>
                     <a:srgbClr val="000000"/>
                   </a:solidFill>
@@ -2932,7 +2932,7 @@
             </a:ln>
             <a:extLst>
               <a:ext uri="{91240B29-F687-4f45-9708-019B960494DF}">
-                <a14:hiddenLine xmlns:a14="http://schemas.microsoft.com/office/drawing/2010/main" xmlns="" w="9525">
+                <a14:hiddenLine xmlns="" xmlns:a14="http://schemas.microsoft.com/office/drawing/2010/main" w="9525">
                   <a:solidFill>
                     <a:srgbClr val="000000"/>
                   </a:solidFill>
@@ -3022,7 +3022,7 @@
             </a:ln>
             <a:extLst>
               <a:ext uri="{91240B29-F687-4f45-9708-019B960494DF}">
-                <a14:hiddenLine xmlns:a14="http://schemas.microsoft.com/office/drawing/2010/main" xmlns="" w="9525">
+                <a14:hiddenLine xmlns="" xmlns:a14="http://schemas.microsoft.com/office/drawing/2010/main" w="9525">
                   <a:solidFill>
                     <a:srgbClr val="000000"/>
                   </a:solidFill>
@@ -3084,7 +3084,7 @@
             </a:ln>
             <a:extLst>
               <a:ext uri="{91240B29-F687-4f45-9708-019B960494DF}">
-                <a14:hiddenLine xmlns:a14="http://schemas.microsoft.com/office/drawing/2010/main" xmlns="" w="9525">
+                <a14:hiddenLine xmlns="" xmlns:a14="http://schemas.microsoft.com/office/drawing/2010/main" w="9525">
                   <a:solidFill>
                     <a:srgbClr val="000000"/>
                   </a:solidFill>
@@ -3174,7 +3174,7 @@
             </a:ln>
             <a:extLst>
               <a:ext uri="{91240B29-F687-4f45-9708-019B960494DF}">
-                <a14:hiddenLine xmlns:a14="http://schemas.microsoft.com/office/drawing/2010/main" xmlns="" w="9525">
+                <a14:hiddenLine xmlns="" xmlns:a14="http://schemas.microsoft.com/office/drawing/2010/main" w="9525">
                   <a:solidFill>
                     <a:srgbClr val="000000"/>
                   </a:solidFill>
@@ -3208,7 +3208,7 @@
             </a:ln>
             <a:extLst>
               <a:ext uri="{91240B29-F687-4f45-9708-019B960494DF}">
-                <a14:hiddenLine xmlns:a14="http://schemas.microsoft.com/office/drawing/2010/main" xmlns="" w="9525">
+                <a14:hiddenLine xmlns="" xmlns:a14="http://schemas.microsoft.com/office/drawing/2010/main" w="9525">
                   <a:solidFill>
                     <a:srgbClr val="000000"/>
                   </a:solidFill>
@@ -3273,7 +3273,7 @@
             </a:ln>
             <a:extLst>
               <a:ext uri="{91240B29-F687-4f45-9708-019B960494DF}">
-                <a14:hiddenLine xmlns:a14="http://schemas.microsoft.com/office/drawing/2010/main" xmlns="" w="9525">
+                <a14:hiddenLine xmlns="" xmlns:a14="http://schemas.microsoft.com/office/drawing/2010/main" w="9525">
                   <a:solidFill>
                     <a:srgbClr val="000000"/>
                   </a:solidFill>
@@ -3363,7 +3363,7 @@
             </a:ln>
             <a:extLst>
               <a:ext uri="{91240B29-F687-4f45-9708-019B960494DF}">
-                <a14:hiddenLine xmlns:a14="http://schemas.microsoft.com/office/drawing/2010/main" xmlns="" w="9525">
+                <a14:hiddenLine xmlns="" xmlns:a14="http://schemas.microsoft.com/office/drawing/2010/main" w="9525">
                   <a:solidFill>
                     <a:srgbClr val="000000"/>
                   </a:solidFill>
@@ -3425,7 +3425,7 @@
             </a:ln>
             <a:extLst>
               <a:ext uri="{91240B29-F687-4f45-9708-019B960494DF}">
-                <a14:hiddenLine xmlns:a14="http://schemas.microsoft.com/office/drawing/2010/main" xmlns="" w="9525">
+                <a14:hiddenLine xmlns="" xmlns:a14="http://schemas.microsoft.com/office/drawing/2010/main" w="9525">
                   <a:solidFill>
                     <a:srgbClr val="000000"/>
                   </a:solidFill>
@@ -3515,7 +3515,7 @@
             </a:ln>
             <a:extLst>
               <a:ext uri="{91240B29-F687-4f45-9708-019B960494DF}">
-                <a14:hiddenLine xmlns:a14="http://schemas.microsoft.com/office/drawing/2010/main" xmlns="" w="9525">
+                <a14:hiddenLine xmlns="" xmlns:a14="http://schemas.microsoft.com/office/drawing/2010/main" w="9525">
                   <a:solidFill>
                     <a:srgbClr val="000000"/>
                   </a:solidFill>
@@ -3605,7 +3605,7 @@
             </a:ln>
             <a:extLst>
               <a:ext uri="{91240B29-F687-4f45-9708-019B960494DF}">
-                <a14:hiddenLine xmlns:a14="http://schemas.microsoft.com/office/drawing/2010/main" xmlns="" w="9525">
+                <a14:hiddenLine xmlns="" xmlns:a14="http://schemas.microsoft.com/office/drawing/2010/main" w="9525">
                   <a:solidFill>
                     <a:srgbClr val="000000"/>
                   </a:solidFill>
@@ -3670,7 +3670,7 @@
             </a:ln>
             <a:extLst>
               <a:ext uri="{91240B29-F687-4f45-9708-019B960494DF}">
-                <a14:hiddenLine xmlns:a14="http://schemas.microsoft.com/office/drawing/2010/main" xmlns="" w="9525">
+                <a14:hiddenLine xmlns="" xmlns:a14="http://schemas.microsoft.com/office/drawing/2010/main" w="9525">
                   <a:solidFill>
                     <a:srgbClr val="000000"/>
                   </a:solidFill>
@@ -3732,7 +3732,7 @@
             </a:ln>
             <a:extLst>
               <a:ext uri="{91240B29-F687-4f45-9708-019B960494DF}">
-                <a14:hiddenLine xmlns:a14="http://schemas.microsoft.com/office/drawing/2010/main" xmlns="" w="9525">
+                <a14:hiddenLine xmlns="" xmlns:a14="http://schemas.microsoft.com/office/drawing/2010/main" w="9525">
                   <a:solidFill>
                     <a:srgbClr val="000000"/>
                   </a:solidFill>
@@ -3822,7 +3822,7 @@
             </a:ln>
             <a:extLst>
               <a:ext uri="{91240B29-F687-4f45-9708-019B960494DF}">
-                <a14:hiddenLine xmlns:a14="http://schemas.microsoft.com/office/drawing/2010/main" xmlns="" w="9525">
+                <a14:hiddenLine xmlns="" xmlns:a14="http://schemas.microsoft.com/office/drawing/2010/main" w="9525">
                   <a:solidFill>
                     <a:srgbClr val="000000"/>
                   </a:solidFill>
@@ -3912,7 +3912,7 @@
             </a:ln>
             <a:extLst>
               <a:ext uri="{91240B29-F687-4f45-9708-019B960494DF}">
-                <a14:hiddenLine xmlns:a14="http://schemas.microsoft.com/office/drawing/2010/main" xmlns="" w="9525">
+                <a14:hiddenLine xmlns="" xmlns:a14="http://schemas.microsoft.com/office/drawing/2010/main" w="9525">
                   <a:solidFill>
                     <a:srgbClr val="000000"/>
                   </a:solidFill>
@@ -3974,7 +3974,7 @@
             </a:ln>
             <a:extLst>
               <a:ext uri="{91240B29-F687-4f45-9708-019B960494DF}">
-                <a14:hiddenLine xmlns:a14="http://schemas.microsoft.com/office/drawing/2010/main" xmlns="" w="9525">
+                <a14:hiddenLine xmlns="" xmlns:a14="http://schemas.microsoft.com/office/drawing/2010/main" w="9525">
                   <a:solidFill>
                     <a:srgbClr val="000000"/>
                   </a:solidFill>
@@ -4094,7 +4094,7 @@
             </a:ln>
             <a:extLst>
               <a:ext uri="{91240B29-F687-4f45-9708-019B960494DF}">
-                <a14:hiddenLine xmlns:a14="http://schemas.microsoft.com/office/drawing/2010/main" xmlns="" w="9525">
+                <a14:hiddenLine xmlns="" xmlns:a14="http://schemas.microsoft.com/office/drawing/2010/main" w="9525">
                   <a:solidFill>
                     <a:srgbClr val="000000"/>
                   </a:solidFill>
@@ -4162,7 +4162,7 @@
             </a:ln>
             <a:extLst>
               <a:ext uri="{91240B29-F687-4f45-9708-019B960494DF}">
-                <a14:hiddenLine xmlns:a14="http://schemas.microsoft.com/office/drawing/2010/main" xmlns="" w="9525">
+                <a14:hiddenLine xmlns="" xmlns:a14="http://schemas.microsoft.com/office/drawing/2010/main" w="9525">
                   <a:solidFill>
                     <a:srgbClr val="000000"/>
                   </a:solidFill>
@@ -4252,7 +4252,7 @@
             </a:ln>
             <a:extLst>
               <a:ext uri="{91240B29-F687-4f45-9708-019B960494DF}">
-                <a14:hiddenLine xmlns:a14="http://schemas.microsoft.com/office/drawing/2010/main" xmlns="" w="9525">
+                <a14:hiddenLine xmlns="" xmlns:a14="http://schemas.microsoft.com/office/drawing/2010/main" w="9525">
                   <a:solidFill>
                     <a:srgbClr val="000000"/>
                   </a:solidFill>
@@ -8974,7 +8974,7 @@
           <a:noFill/>
           <a:extLst>
             <a:ext uri="{909E8E84-426E-40dd-AFC4-6F175D3DCCD1}">
-              <a14:hiddenFill xmlns:a14="http://schemas.microsoft.com/office/drawing/2010/main" xmlns="">
+              <a14:hiddenFill xmlns="" xmlns:a14="http://schemas.microsoft.com/office/drawing/2010/main">
                 <a:solidFill>
                   <a:srgbClr val="FFFFFF"/>
                 </a:solidFill>
@@ -9048,7 +9048,7 @@
               </a:ln>
               <a:extLst>
                 <a:ext uri="{91240B29-F687-4f45-9708-019B960494DF}">
-                  <a14:hiddenLine xmlns:a14="http://schemas.microsoft.com/office/drawing/2010/main" xmlns="" w="9525">
+                  <a14:hiddenLine xmlns="" xmlns:a14="http://schemas.microsoft.com/office/drawing/2010/main" w="9525">
                     <a:solidFill>
                       <a:srgbClr val="000000"/>
                     </a:solidFill>
@@ -9138,7 +9138,7 @@
               </a:ln>
               <a:extLst>
                 <a:ext uri="{91240B29-F687-4f45-9708-019B960494DF}">
-                  <a14:hiddenLine xmlns:a14="http://schemas.microsoft.com/office/drawing/2010/main" xmlns="" w="9525">
+                  <a14:hiddenLine xmlns="" xmlns:a14="http://schemas.microsoft.com/office/drawing/2010/main" w="9525">
                     <a:solidFill>
                       <a:srgbClr val="000000"/>
                     </a:solidFill>
@@ -9228,7 +9228,7 @@
               </a:ln>
               <a:extLst>
                 <a:ext uri="{91240B29-F687-4f45-9708-019B960494DF}">
-                  <a14:hiddenLine xmlns:a14="http://schemas.microsoft.com/office/drawing/2010/main" xmlns="" w="9525">
+                  <a14:hiddenLine xmlns="" xmlns:a14="http://schemas.microsoft.com/office/drawing/2010/main" w="9525">
                     <a:solidFill>
                       <a:srgbClr val="000000"/>
                     </a:solidFill>
@@ -9290,7 +9290,7 @@
               </a:ln>
               <a:extLst>
                 <a:ext uri="{91240B29-F687-4f45-9708-019B960494DF}">
-                  <a14:hiddenLine xmlns:a14="http://schemas.microsoft.com/office/drawing/2010/main" xmlns="" w="9525">
+                  <a14:hiddenLine xmlns="" xmlns:a14="http://schemas.microsoft.com/office/drawing/2010/main" w="9525">
                     <a:solidFill>
                       <a:srgbClr val="000000"/>
                     </a:solidFill>
@@ -9380,7 +9380,7 @@
               </a:ln>
               <a:extLst>
                 <a:ext uri="{91240B29-F687-4f45-9708-019B960494DF}">
-                  <a14:hiddenLine xmlns:a14="http://schemas.microsoft.com/office/drawing/2010/main" xmlns="" w="9525">
+                  <a14:hiddenLine xmlns="" xmlns:a14="http://schemas.microsoft.com/office/drawing/2010/main" w="9525">
                     <a:solidFill>
                       <a:srgbClr val="000000"/>
                     </a:solidFill>
@@ -9442,7 +9442,7 @@
               </a:ln>
               <a:extLst>
                 <a:ext uri="{91240B29-F687-4f45-9708-019B960494DF}">
-                  <a14:hiddenLine xmlns:a14="http://schemas.microsoft.com/office/drawing/2010/main" xmlns="" w="9525">
+                  <a14:hiddenLine xmlns="" xmlns:a14="http://schemas.microsoft.com/office/drawing/2010/main" w="9525">
                     <a:solidFill>
                       <a:srgbClr val="000000"/>
                     </a:solidFill>
@@ -9504,7 +9504,7 @@
               </a:ln>
               <a:extLst>
                 <a:ext uri="{91240B29-F687-4f45-9708-019B960494DF}">
-                  <a14:hiddenLine xmlns:a14="http://schemas.microsoft.com/office/drawing/2010/main" xmlns="" w="9525">
+                  <a14:hiddenLine xmlns="" xmlns:a14="http://schemas.microsoft.com/office/drawing/2010/main" w="9525">
                     <a:solidFill>
                       <a:srgbClr val="000000"/>
                     </a:solidFill>
@@ -9594,7 +9594,7 @@
               </a:ln>
               <a:extLst>
                 <a:ext uri="{91240B29-F687-4f45-9708-019B960494DF}">
-                  <a14:hiddenLine xmlns:a14="http://schemas.microsoft.com/office/drawing/2010/main" xmlns="" w="9525">
+                  <a14:hiddenLine xmlns="" xmlns:a14="http://schemas.microsoft.com/office/drawing/2010/main" w="9525">
                     <a:solidFill>
                       <a:srgbClr val="000000"/>
                     </a:solidFill>
@@ -9684,7 +9684,7 @@
               </a:ln>
               <a:extLst>
                 <a:ext uri="{91240B29-F687-4f45-9708-019B960494DF}">
-                  <a14:hiddenLine xmlns:a14="http://schemas.microsoft.com/office/drawing/2010/main" xmlns="" w="9525">
+                  <a14:hiddenLine xmlns="" xmlns:a14="http://schemas.microsoft.com/office/drawing/2010/main" w="9525">
                     <a:solidFill>
                       <a:srgbClr val="000000"/>
                     </a:solidFill>
@@ -9746,7 +9746,7 @@
               </a:ln>
               <a:extLst>
                 <a:ext uri="{91240B29-F687-4f45-9708-019B960494DF}">
-                  <a14:hiddenLine xmlns:a14="http://schemas.microsoft.com/office/drawing/2010/main" xmlns="" w="9525">
+                  <a14:hiddenLine xmlns="" xmlns:a14="http://schemas.microsoft.com/office/drawing/2010/main" w="9525">
                     <a:solidFill>
                       <a:srgbClr val="000000"/>
                     </a:solidFill>
@@ -9856,7 +9856,7 @@
               </a:ln>
               <a:extLst>
                 <a:ext uri="{91240B29-F687-4f45-9708-019B960494DF}">
-                  <a14:hiddenLine xmlns:a14="http://schemas.microsoft.com/office/drawing/2010/main" xmlns="" w="9525">
+                  <a14:hiddenLine xmlns="" xmlns:a14="http://schemas.microsoft.com/office/drawing/2010/main" w="9525">
                     <a:solidFill>
                       <a:srgbClr val="000000"/>
                     </a:solidFill>
@@ -9940,7 +9940,7 @@
               </a:ln>
               <a:extLst>
                 <a:ext uri="{91240B29-F687-4f45-9708-019B960494DF}">
-                  <a14:hiddenLine xmlns:a14="http://schemas.microsoft.com/office/drawing/2010/main" xmlns="" w="9525">
+                  <a14:hiddenLine xmlns="" xmlns:a14="http://schemas.microsoft.com/office/drawing/2010/main" w="9525">
                     <a:solidFill>
                       <a:srgbClr val="000000"/>
                     </a:solidFill>
@@ -10002,7 +10002,7 @@
               </a:ln>
               <a:extLst>
                 <a:ext uri="{91240B29-F687-4f45-9708-019B960494DF}">
-                  <a14:hiddenLine xmlns:a14="http://schemas.microsoft.com/office/drawing/2010/main" xmlns="" w="9525">
+                  <a14:hiddenLine xmlns="" xmlns:a14="http://schemas.microsoft.com/office/drawing/2010/main" w="9525">
                     <a:solidFill>
                       <a:srgbClr val="000000"/>
                     </a:solidFill>
@@ -10064,7 +10064,7 @@
               </a:ln>
               <a:extLst>
                 <a:ext uri="{91240B29-F687-4f45-9708-019B960494DF}">
-                  <a14:hiddenLine xmlns:a14="http://schemas.microsoft.com/office/drawing/2010/main" xmlns="" w="9525">
+                  <a14:hiddenLine xmlns="" xmlns:a14="http://schemas.microsoft.com/office/drawing/2010/main" w="9525">
                     <a:solidFill>
                       <a:srgbClr val="000000"/>
                     </a:solidFill>
@@ -10154,7 +10154,7 @@
               </a:ln>
               <a:extLst>
                 <a:ext uri="{91240B29-F687-4f45-9708-019B960494DF}">
-                  <a14:hiddenLine xmlns:a14="http://schemas.microsoft.com/office/drawing/2010/main" xmlns="" w="9525">
+                  <a14:hiddenLine xmlns="" xmlns:a14="http://schemas.microsoft.com/office/drawing/2010/main" w="9525">
                     <a:solidFill>
                       <a:srgbClr val="000000"/>
                     </a:solidFill>
@@ -10188,7 +10188,7 @@
               </a:ln>
               <a:extLst>
                 <a:ext uri="{91240B29-F687-4f45-9708-019B960494DF}">
-                  <a14:hiddenLine xmlns:a14="http://schemas.microsoft.com/office/drawing/2010/main" xmlns="" w="9525">
+                  <a14:hiddenLine xmlns="" xmlns:a14="http://schemas.microsoft.com/office/drawing/2010/main" w="9525">
                     <a:solidFill>
                       <a:srgbClr val="000000"/>
                     </a:solidFill>
@@ -10253,7 +10253,7 @@
               </a:ln>
               <a:extLst>
                 <a:ext uri="{91240B29-F687-4f45-9708-019B960494DF}">
-                  <a14:hiddenLine xmlns:a14="http://schemas.microsoft.com/office/drawing/2010/main" xmlns="" w="9525">
+                  <a14:hiddenLine xmlns="" xmlns:a14="http://schemas.microsoft.com/office/drawing/2010/main" w="9525">
                     <a:solidFill>
                       <a:srgbClr val="000000"/>
                     </a:solidFill>
@@ -10343,7 +10343,7 @@
               </a:ln>
               <a:extLst>
                 <a:ext uri="{91240B29-F687-4f45-9708-019B960494DF}">
-                  <a14:hiddenLine xmlns:a14="http://schemas.microsoft.com/office/drawing/2010/main" xmlns="" w="9525">
+                  <a14:hiddenLine xmlns="" xmlns:a14="http://schemas.microsoft.com/office/drawing/2010/main" w="9525">
                     <a:solidFill>
                       <a:srgbClr val="000000"/>
                     </a:solidFill>
@@ -10405,7 +10405,7 @@
               </a:ln>
               <a:extLst>
                 <a:ext uri="{91240B29-F687-4f45-9708-019B960494DF}">
-                  <a14:hiddenLine xmlns:a14="http://schemas.microsoft.com/office/drawing/2010/main" xmlns="" w="9525">
+                  <a14:hiddenLine xmlns="" xmlns:a14="http://schemas.microsoft.com/office/drawing/2010/main" w="9525">
                     <a:solidFill>
                       <a:srgbClr val="000000"/>
                     </a:solidFill>
@@ -10495,7 +10495,7 @@
               </a:ln>
               <a:extLst>
                 <a:ext uri="{91240B29-F687-4f45-9708-019B960494DF}">
-                  <a14:hiddenLine xmlns:a14="http://schemas.microsoft.com/office/drawing/2010/main" xmlns="" w="9525">
+                  <a14:hiddenLine xmlns="" xmlns:a14="http://schemas.microsoft.com/office/drawing/2010/main" w="9525">
                     <a:solidFill>
                       <a:srgbClr val="000000"/>
                     </a:solidFill>
@@ -10560,7 +10560,7 @@
               </a:ln>
               <a:extLst>
                 <a:ext uri="{91240B29-F687-4f45-9708-019B960494DF}">
-                  <a14:hiddenLine xmlns:a14="http://schemas.microsoft.com/office/drawing/2010/main" xmlns="" w="9525">
+                  <a14:hiddenLine xmlns="" xmlns:a14="http://schemas.microsoft.com/office/drawing/2010/main" w="9525">
                     <a:solidFill>
                       <a:srgbClr val="000000"/>
                     </a:solidFill>
@@ -10622,7 +10622,7 @@
               </a:ln>
               <a:extLst>
                 <a:ext uri="{91240B29-F687-4f45-9708-019B960494DF}">
-                  <a14:hiddenLine xmlns:a14="http://schemas.microsoft.com/office/drawing/2010/main" xmlns="" w="9525">
+                  <a14:hiddenLine xmlns="" xmlns:a14="http://schemas.microsoft.com/office/drawing/2010/main" w="9525">
                     <a:solidFill>
                       <a:srgbClr val="000000"/>
                     </a:solidFill>
@@ -10712,7 +10712,7 @@
               </a:ln>
               <a:extLst>
                 <a:ext uri="{91240B29-F687-4f45-9708-019B960494DF}">
-                  <a14:hiddenLine xmlns:a14="http://schemas.microsoft.com/office/drawing/2010/main" xmlns="" w="9525">
+                  <a14:hiddenLine xmlns="" xmlns:a14="http://schemas.microsoft.com/office/drawing/2010/main" w="9525">
                     <a:solidFill>
                       <a:srgbClr val="000000"/>
                     </a:solidFill>
@@ -10802,7 +10802,7 @@
               </a:ln>
               <a:extLst>
                 <a:ext uri="{91240B29-F687-4f45-9708-019B960494DF}">
-                  <a14:hiddenLine xmlns:a14="http://schemas.microsoft.com/office/drawing/2010/main" xmlns="" w="9525">
+                  <a14:hiddenLine xmlns="" xmlns:a14="http://schemas.microsoft.com/office/drawing/2010/main" w="9525">
                     <a:solidFill>
                       <a:srgbClr val="000000"/>
                     </a:solidFill>
@@ -10867,7 +10867,7 @@
               </a:ln>
               <a:extLst>
                 <a:ext uri="{91240B29-F687-4f45-9708-019B960494DF}">
-                  <a14:hiddenLine xmlns:a14="http://schemas.microsoft.com/office/drawing/2010/main" xmlns="" w="9525">
+                  <a14:hiddenLine xmlns="" xmlns:a14="http://schemas.microsoft.com/office/drawing/2010/main" w="9525">
                     <a:solidFill>
                       <a:srgbClr val="000000"/>
                     </a:solidFill>
@@ -10987,7 +10987,7 @@
               </a:ln>
               <a:extLst>
                 <a:ext uri="{91240B29-F687-4f45-9708-019B960494DF}">
-                  <a14:hiddenLine xmlns:a14="http://schemas.microsoft.com/office/drawing/2010/main" xmlns="" w="9525">
+                  <a14:hiddenLine xmlns="" xmlns:a14="http://schemas.microsoft.com/office/drawing/2010/main" w="9525">
                     <a:solidFill>
                       <a:srgbClr val="000000"/>
                     </a:solidFill>
@@ -11085,7 +11085,7 @@
               </a:ln>
               <a:extLst>
                 <a:ext uri="{91240B29-F687-4f45-9708-019B960494DF}">
-                  <a14:hiddenLine xmlns:a14="http://schemas.microsoft.com/office/drawing/2010/main" xmlns="" w="9525">
+                  <a14:hiddenLine xmlns="" xmlns:a14="http://schemas.microsoft.com/office/drawing/2010/main" w="9525">
                     <a:solidFill>
                       <a:srgbClr val="000000"/>
                     </a:solidFill>
@@ -11200,7 +11200,7 @@
               </a:ln>
               <a:extLst>
                 <a:ext uri="{91240B29-F687-4f45-9708-019B960494DF}">
-                  <a14:hiddenLine xmlns:a14="http://schemas.microsoft.com/office/drawing/2010/main" xmlns="" w="9525">
+                  <a14:hiddenLine xmlns="" xmlns:a14="http://schemas.microsoft.com/office/drawing/2010/main" w="9525">
                     <a:solidFill>
                       <a:srgbClr val="000000"/>
                     </a:solidFill>
@@ -11290,7 +11290,7 @@
               </a:ln>
               <a:extLst>
                 <a:ext uri="{91240B29-F687-4f45-9708-019B960494DF}">
-                  <a14:hiddenLine xmlns:a14="http://schemas.microsoft.com/office/drawing/2010/main" xmlns="" w="9525">
+                  <a14:hiddenLine xmlns="" xmlns:a14="http://schemas.microsoft.com/office/drawing/2010/main" w="9525">
                     <a:solidFill>
                       <a:srgbClr val="000000"/>
                     </a:solidFill>
@@ -11355,7 +11355,7 @@
               </a:ln>
               <a:extLst>
                 <a:ext uri="{91240B29-F687-4f45-9708-019B960494DF}">
-                  <a14:hiddenLine xmlns:a14="http://schemas.microsoft.com/office/drawing/2010/main" xmlns="" w="9525">
+                  <a14:hiddenLine xmlns="" xmlns:a14="http://schemas.microsoft.com/office/drawing/2010/main" w="9525">
                     <a:solidFill>
                       <a:srgbClr val="000000"/>
                     </a:solidFill>
@@ -11445,7 +11445,7 @@
               </a:ln>
               <a:extLst>
                 <a:ext uri="{91240B29-F687-4f45-9708-019B960494DF}">
-                  <a14:hiddenLine xmlns:a14="http://schemas.microsoft.com/office/drawing/2010/main" xmlns="" w="9525">
+                  <a14:hiddenLine xmlns="" xmlns:a14="http://schemas.microsoft.com/office/drawing/2010/main" w="9525">
                     <a:solidFill>
                       <a:srgbClr val="000000"/>
                     </a:solidFill>
@@ -11513,7 +11513,7 @@
               </a:ln>
               <a:extLst>
                 <a:ext uri="{91240B29-F687-4f45-9708-019B960494DF}">
-                  <a14:hiddenLine xmlns:a14="http://schemas.microsoft.com/office/drawing/2010/main" xmlns="" w="9525">
+                  <a14:hiddenLine xmlns="" xmlns:a14="http://schemas.microsoft.com/office/drawing/2010/main" w="9525">
                     <a:solidFill>
                       <a:srgbClr val="000000"/>
                     </a:solidFill>
@@ -11603,7 +11603,7 @@
               </a:ln>
               <a:extLst>
                 <a:ext uri="{91240B29-F687-4f45-9708-019B960494DF}">
-                  <a14:hiddenLine xmlns:a14="http://schemas.microsoft.com/office/drawing/2010/main" xmlns="" w="9525">
+                  <a14:hiddenLine xmlns="" xmlns:a14="http://schemas.microsoft.com/office/drawing/2010/main" w="9525">
                     <a:solidFill>
                       <a:srgbClr val="000000"/>
                     </a:solidFill>
@@ -11671,7 +11671,7 @@
               </a:ln>
               <a:extLst>
                 <a:ext uri="{91240B29-F687-4f45-9708-019B960494DF}">
-                  <a14:hiddenLine xmlns:a14="http://schemas.microsoft.com/office/drawing/2010/main" xmlns="" w="9525">
+                  <a14:hiddenLine xmlns="" xmlns:a14="http://schemas.microsoft.com/office/drawing/2010/main" w="9525">
                     <a:solidFill>
                       <a:srgbClr val="000000"/>
                     </a:solidFill>
@@ -11761,7 +11761,7 @@
               </a:ln>
               <a:extLst>
                 <a:ext uri="{91240B29-F687-4f45-9708-019B960494DF}">
-                  <a14:hiddenLine xmlns:a14="http://schemas.microsoft.com/office/drawing/2010/main" xmlns="" w="9525">
+                  <a14:hiddenLine xmlns="" xmlns:a14="http://schemas.microsoft.com/office/drawing/2010/main" w="9525">
                     <a:solidFill>
                       <a:srgbClr val="000000"/>
                     </a:solidFill>
@@ -11795,7 +11795,7 @@
               </a:ln>
               <a:extLst>
                 <a:ext uri="{91240B29-F687-4f45-9708-019B960494DF}">
-                  <a14:hiddenLine xmlns:a14="http://schemas.microsoft.com/office/drawing/2010/main" xmlns="" w="9525">
+                  <a14:hiddenLine xmlns="" xmlns:a14="http://schemas.microsoft.com/office/drawing/2010/main" w="9525">
                     <a:solidFill>
                       <a:srgbClr val="000000"/>
                     </a:solidFill>
@@ -12442,118 +12442,6 @@
           <p:cNvPr id="2" name="Title 1">
             <a:extLst>
               <a:ext uri="{FF2B5EF4-FFF2-40B4-BE49-F238E27FC236}">
-                <a16:creationId xmlns:a16="http://schemas.microsoft.com/office/drawing/2014/main" id="{07FC26D5-E3CA-0CD9-7E2A-5D5184D90D62}"/>
-              </a:ext>
-            </a:extLst>
-          </p:cNvPr>
-          <p:cNvSpPr>
-            <a:spLocks noGrp="1"/>
-          </p:cNvSpPr>
-          <p:nvPr>
-            <p:ph type="title"/>
-          </p:nvPr>
-        </p:nvSpPr>
-        <p:spPr/>
-        <p:txBody>
-          <a:bodyPr/>
-          <a:lstStyle/>
-          <a:p>
-            <a:r>
-              <a:rPr lang="en-US" dirty="0"/>
-              <a:t>Why TDD?	</a:t>
-            </a:r>
-            <a:endParaRPr lang="en-ZA" dirty="0"/>
-          </a:p>
-        </p:txBody>
-      </p:sp>
-      <p:sp>
-        <p:nvSpPr>
-          <p:cNvPr id="3" name="Content Placeholder 2">
-            <a:extLst>
-              <a:ext uri="{FF2B5EF4-FFF2-40B4-BE49-F238E27FC236}">
-                <a16:creationId xmlns:a16="http://schemas.microsoft.com/office/drawing/2014/main" id="{54F9F61A-9313-7792-2C53-E805443BD620}"/>
-              </a:ext>
-            </a:extLst>
-          </p:cNvPr>
-          <p:cNvSpPr>
-            <a:spLocks noGrp="1"/>
-          </p:cNvSpPr>
-          <p:nvPr>
-            <p:ph idx="1"/>
-          </p:nvPr>
-        </p:nvSpPr>
-        <p:spPr/>
-        <p:txBody>
-          <a:bodyPr/>
-          <a:lstStyle/>
-          <a:p>
-            <a:r>
-              <a:rPr lang="en-US" dirty="0"/>
-              <a:t>Thinking Tool</a:t>
-            </a:r>
-          </a:p>
-          <a:p>
-            <a:r>
-              <a:rPr lang="en-US" dirty="0"/>
-              <a:t>Iterative process to solve a problem</a:t>
-            </a:r>
-          </a:p>
-          <a:p>
-            <a:r>
-              <a:rPr lang="en-US" dirty="0"/>
-              <a:t>Allows for changing code without fear of breaking things</a:t>
-            </a:r>
-          </a:p>
-          <a:p>
-            <a:r>
-              <a:rPr lang="en-US" dirty="0"/>
-              <a:t>Allows for refactoring and cleaning up code base</a:t>
-            </a:r>
-          </a:p>
-          <a:p>
-            <a:r>
-              <a:rPr lang="en-US" dirty="0"/>
-              <a:t>Tests After ?</a:t>
-            </a:r>
-            <a:endParaRPr lang="en-ZA" dirty="0"/>
-          </a:p>
-        </p:txBody>
-      </p:sp>
-    </p:spTree>
-    <p:extLst>
-      <p:ext uri="{BB962C8B-B14F-4D97-AF65-F5344CB8AC3E}">
-        <p14:creationId xmlns:p14="http://schemas.microsoft.com/office/powerpoint/2010/main" val="3320976928"/>
-      </p:ext>
-    </p:extLst>
-  </p:cSld>
-  <p:clrMapOvr>
-    <a:masterClrMapping/>
-  </p:clrMapOvr>
-</p:sld>
-</file>
-
-<file path=ppt/slides/slide3.xml><?xml version="1.0" encoding="utf-8"?>
-<p:sld xmlns:a="http://schemas.openxmlformats.org/drawingml/2006/main" xmlns:r="http://schemas.openxmlformats.org/officeDocument/2006/relationships" xmlns:p="http://schemas.openxmlformats.org/presentationml/2006/main">
-  <p:cSld>
-    <p:spTree>
-      <p:nvGrpSpPr>
-        <p:cNvPr id="1" name=""/>
-        <p:cNvGrpSpPr/>
-        <p:nvPr/>
-      </p:nvGrpSpPr>
-      <p:grpSpPr>
-        <a:xfrm>
-          <a:off x="0" y="0"/>
-          <a:ext cx="0" cy="0"/>
-          <a:chOff x="0" y="0"/>
-          <a:chExt cx="0" cy="0"/>
-        </a:xfrm>
-      </p:grpSpPr>
-      <p:sp>
-        <p:nvSpPr>
-          <p:cNvPr id="2" name="Title 1">
-            <a:extLst>
-              <a:ext uri="{FF2B5EF4-FFF2-40B4-BE49-F238E27FC236}">
                 <a16:creationId xmlns:a16="http://schemas.microsoft.com/office/drawing/2014/main" id="{44ACDB86-B193-4C80-7082-AD9784C4F4C3}"/>
               </a:ext>
             </a:extLst>
@@ -12661,7 +12549,7 @@
 </p:sld>
 </file>
 
-<file path=ppt/slides/slide4.xml><?xml version="1.0" encoding="utf-8"?>
+<file path=ppt/slides/slide3.xml><?xml version="1.0" encoding="utf-8"?>
 <p:sld xmlns:a="http://schemas.openxmlformats.org/drawingml/2006/main" xmlns:r="http://schemas.openxmlformats.org/officeDocument/2006/relationships" xmlns:p="http://schemas.openxmlformats.org/presentationml/2006/main">
   <p:cSld>
     <p:spTree>
@@ -12756,6 +12644,118 @@
     <p:extLst>
       <p:ext uri="{BB962C8B-B14F-4D97-AF65-F5344CB8AC3E}">
         <p14:creationId xmlns:p14="http://schemas.microsoft.com/office/powerpoint/2010/main" val="2032373153"/>
+      </p:ext>
+    </p:extLst>
+  </p:cSld>
+  <p:clrMapOvr>
+    <a:masterClrMapping/>
+  </p:clrMapOvr>
+</p:sld>
+</file>
+
+<file path=ppt/slides/slide4.xml><?xml version="1.0" encoding="utf-8"?>
+<p:sld xmlns:a="http://schemas.openxmlformats.org/drawingml/2006/main" xmlns:r="http://schemas.openxmlformats.org/officeDocument/2006/relationships" xmlns:p="http://schemas.openxmlformats.org/presentationml/2006/main">
+  <p:cSld>
+    <p:spTree>
+      <p:nvGrpSpPr>
+        <p:cNvPr id="1" name=""/>
+        <p:cNvGrpSpPr/>
+        <p:nvPr/>
+      </p:nvGrpSpPr>
+      <p:grpSpPr>
+        <a:xfrm>
+          <a:off x="0" y="0"/>
+          <a:ext cx="0" cy="0"/>
+          <a:chOff x="0" y="0"/>
+          <a:chExt cx="0" cy="0"/>
+        </a:xfrm>
+      </p:grpSpPr>
+      <p:sp>
+        <p:nvSpPr>
+          <p:cNvPr id="2" name="Title 1">
+            <a:extLst>
+              <a:ext uri="{FF2B5EF4-FFF2-40B4-BE49-F238E27FC236}">
+                <a16:creationId xmlns:a16="http://schemas.microsoft.com/office/drawing/2014/main" id="{07FC26D5-E3CA-0CD9-7E2A-5D5184D90D62}"/>
+              </a:ext>
+            </a:extLst>
+          </p:cNvPr>
+          <p:cNvSpPr>
+            <a:spLocks noGrp="1"/>
+          </p:cNvSpPr>
+          <p:nvPr>
+            <p:ph type="title"/>
+          </p:nvPr>
+        </p:nvSpPr>
+        <p:spPr/>
+        <p:txBody>
+          <a:bodyPr/>
+          <a:lstStyle/>
+          <a:p>
+            <a:r>
+              <a:rPr lang="en-US" dirty="0"/>
+              <a:t>Why TDD?	</a:t>
+            </a:r>
+            <a:endParaRPr lang="en-ZA" dirty="0"/>
+          </a:p>
+        </p:txBody>
+      </p:sp>
+      <p:sp>
+        <p:nvSpPr>
+          <p:cNvPr id="3" name="Content Placeholder 2">
+            <a:extLst>
+              <a:ext uri="{FF2B5EF4-FFF2-40B4-BE49-F238E27FC236}">
+                <a16:creationId xmlns:a16="http://schemas.microsoft.com/office/drawing/2014/main" id="{54F9F61A-9313-7792-2C53-E805443BD620}"/>
+              </a:ext>
+            </a:extLst>
+          </p:cNvPr>
+          <p:cNvSpPr>
+            <a:spLocks noGrp="1"/>
+          </p:cNvSpPr>
+          <p:nvPr>
+            <p:ph idx="1"/>
+          </p:nvPr>
+        </p:nvSpPr>
+        <p:spPr/>
+        <p:txBody>
+          <a:bodyPr/>
+          <a:lstStyle/>
+          <a:p>
+            <a:r>
+              <a:rPr lang="en-US" dirty="0"/>
+              <a:t>Thinking Tool</a:t>
+            </a:r>
+          </a:p>
+          <a:p>
+            <a:r>
+              <a:rPr lang="en-US" dirty="0"/>
+              <a:t>Iterative process to solve a problem</a:t>
+            </a:r>
+          </a:p>
+          <a:p>
+            <a:r>
+              <a:rPr lang="en-US" dirty="0"/>
+              <a:t>Allows for changing code without fear of breaking things</a:t>
+            </a:r>
+          </a:p>
+          <a:p>
+            <a:r>
+              <a:rPr lang="en-US" dirty="0"/>
+              <a:t>Allows for refactoring and cleaning up code base</a:t>
+            </a:r>
+          </a:p>
+          <a:p>
+            <a:r>
+              <a:rPr lang="en-US" dirty="0"/>
+              <a:t>Tests After ?</a:t>
+            </a:r>
+            <a:endParaRPr lang="en-ZA" dirty="0"/>
+          </a:p>
+        </p:txBody>
+      </p:sp>
+    </p:spTree>
+    <p:extLst>
+      <p:ext uri="{BB962C8B-B14F-4D97-AF65-F5344CB8AC3E}">
+        <p14:creationId xmlns:p14="http://schemas.microsoft.com/office/powerpoint/2010/main" val="3320976928"/>
       </p:ext>
     </p:extLst>
   </p:cSld>
